--- a/asiman.pptx
+++ b/asiman.pptx
@@ -107,7 +107,16 @@
       </a:defRPr>
     </a:lvl9pPr>
   </p:defaultTextStyle>
+  <p:extLst>
+    <p:ext uri="{EFAFB233-063F-42B5-8137-9DF3F51BA10A}">
+      <p15:sldGuideLst xmlns:p15="http://schemas.microsoft.com/office/powerpoint/2012/main"/>
+    </p:ext>
+  </p:extLst>
 </p:presentation>
+</file>
+
+<file path=ppt/revisionInfo.xml><?xml version="1.0" encoding="utf-8"?>
+<p1510:revInfo xmlns:a="http://schemas.openxmlformats.org/drawingml/2006/main" xmlns:r="http://schemas.openxmlformats.org/officeDocument/2006/relationships" xmlns:p1510="http://schemas.microsoft.com/office/powerpoint/2015/10/main"/>
 </file>
 
 <file path=ppt/slideLayouts/slideLayout1.xml><?xml version="1.0" encoding="utf-8"?>
@@ -152,10 +161,9 @@
           </a:lstStyle>
           <a:p>
             <a:r>
-              <a:rPr kumimoji="1" lang="ja-JP" altLang="en-US" smtClean="0"/>
+              <a:rPr kumimoji="1" lang="ja-JP" altLang="en-US"/>
               <a:t>マスター タイトルの書式設定</a:t>
             </a:r>
-            <a:endParaRPr kumimoji="1" lang="ja-JP" altLang="en-US"/>
           </a:p>
         </p:txBody>
       </p:sp>
@@ -217,10 +225,9 @@
           </a:lstStyle>
           <a:p>
             <a:r>
-              <a:rPr kumimoji="1" lang="ja-JP" altLang="en-US" smtClean="0"/>
+              <a:rPr kumimoji="1" lang="ja-JP" altLang="en-US"/>
               <a:t>マスター サブタイトルの書式設定</a:t>
             </a:r>
-            <a:endParaRPr kumimoji="1" lang="ja-JP" altLang="en-US"/>
           </a:p>
         </p:txBody>
       </p:sp>
@@ -241,7 +248,7 @@
           <a:p>
             <a:fld id="{72B939DA-1ACB-4356-BB99-714DB5D0760A}" type="datetimeFigureOut">
               <a:rPr kumimoji="1" lang="ja-JP" altLang="en-US" smtClean="0"/>
-              <a:t>2018/1/26</a:t>
+              <a:t>2018/1/28</a:t>
             </a:fld>
             <a:endParaRPr kumimoji="1" lang="ja-JP" altLang="en-US"/>
           </a:p>
@@ -335,10 +342,9 @@
           <a:lstStyle/>
           <a:p>
             <a:r>
-              <a:rPr kumimoji="1" lang="ja-JP" altLang="en-US" smtClean="0"/>
+              <a:rPr kumimoji="1" lang="ja-JP" altLang="en-US"/>
               <a:t>マスター タイトルの書式設定</a:t>
             </a:r>
-            <a:endParaRPr kumimoji="1" lang="ja-JP" altLang="en-US"/>
           </a:p>
         </p:txBody>
       </p:sp>
@@ -359,70 +365,69 @@
           <a:p>
             <a:pPr lvl="0"/>
             <a:r>
-              <a:rPr kumimoji="1" lang="ja-JP" altLang="en-US" smtClean="0"/>
+              <a:rPr kumimoji="1" lang="ja-JP" altLang="en-US"/>
               <a:t>マスター テキストの書式設定</a:t>
             </a:r>
           </a:p>
           <a:p>
             <a:pPr lvl="1"/>
             <a:r>
-              <a:rPr kumimoji="1" lang="ja-JP" altLang="en-US" smtClean="0"/>
+              <a:rPr kumimoji="1" lang="ja-JP" altLang="en-US"/>
               <a:t>第 </a:t>
             </a:r>
             <a:r>
-              <a:rPr kumimoji="1" lang="en-US" altLang="ja-JP" smtClean="0"/>
+              <a:rPr kumimoji="1" lang="en-US" altLang="ja-JP"/>
               <a:t>2 </a:t>
             </a:r>
             <a:r>
-              <a:rPr kumimoji="1" lang="ja-JP" altLang="en-US" smtClean="0"/>
+              <a:rPr kumimoji="1" lang="ja-JP" altLang="en-US"/>
               <a:t>レベル</a:t>
             </a:r>
           </a:p>
           <a:p>
             <a:pPr lvl="2"/>
             <a:r>
-              <a:rPr kumimoji="1" lang="ja-JP" altLang="en-US" smtClean="0"/>
+              <a:rPr kumimoji="1" lang="ja-JP" altLang="en-US"/>
               <a:t>第 </a:t>
             </a:r>
             <a:r>
-              <a:rPr kumimoji="1" lang="en-US" altLang="ja-JP" smtClean="0"/>
+              <a:rPr kumimoji="1" lang="en-US" altLang="ja-JP"/>
               <a:t>3 </a:t>
             </a:r>
             <a:r>
-              <a:rPr kumimoji="1" lang="ja-JP" altLang="en-US" smtClean="0"/>
+              <a:rPr kumimoji="1" lang="ja-JP" altLang="en-US"/>
               <a:t>レベル</a:t>
             </a:r>
           </a:p>
           <a:p>
             <a:pPr lvl="3"/>
             <a:r>
-              <a:rPr kumimoji="1" lang="ja-JP" altLang="en-US" smtClean="0"/>
+              <a:rPr kumimoji="1" lang="ja-JP" altLang="en-US"/>
               <a:t>第 </a:t>
             </a:r>
             <a:r>
-              <a:rPr kumimoji="1" lang="en-US" altLang="ja-JP" smtClean="0"/>
+              <a:rPr kumimoji="1" lang="en-US" altLang="ja-JP"/>
               <a:t>4 </a:t>
             </a:r>
             <a:r>
-              <a:rPr kumimoji="1" lang="ja-JP" altLang="en-US" smtClean="0"/>
+              <a:rPr kumimoji="1" lang="ja-JP" altLang="en-US"/>
               <a:t>レベル</a:t>
             </a:r>
           </a:p>
           <a:p>
             <a:pPr lvl="4"/>
             <a:r>
-              <a:rPr kumimoji="1" lang="ja-JP" altLang="en-US" smtClean="0"/>
+              <a:rPr kumimoji="1" lang="ja-JP" altLang="en-US"/>
               <a:t>第 </a:t>
             </a:r>
             <a:r>
-              <a:rPr kumimoji="1" lang="en-US" altLang="ja-JP" smtClean="0"/>
+              <a:rPr kumimoji="1" lang="en-US" altLang="ja-JP"/>
               <a:t>5 </a:t>
             </a:r>
             <a:r>
-              <a:rPr kumimoji="1" lang="ja-JP" altLang="en-US" smtClean="0"/>
+              <a:rPr kumimoji="1" lang="ja-JP" altLang="en-US"/>
               <a:t>レベル</a:t>
             </a:r>
-            <a:endParaRPr kumimoji="1" lang="ja-JP" altLang="en-US"/>
           </a:p>
         </p:txBody>
       </p:sp>
@@ -443,7 +448,7 @@
           <a:p>
             <a:fld id="{72B939DA-1ACB-4356-BB99-714DB5D0760A}" type="datetimeFigureOut">
               <a:rPr kumimoji="1" lang="ja-JP" altLang="en-US" smtClean="0"/>
-              <a:t>2018/1/26</a:t>
+              <a:t>2018/1/28</a:t>
             </a:fld>
             <a:endParaRPr kumimoji="1" lang="ja-JP" altLang="en-US"/>
           </a:p>
@@ -542,10 +547,9 @@
           <a:lstStyle/>
           <a:p>
             <a:r>
-              <a:rPr kumimoji="1" lang="ja-JP" altLang="en-US" smtClean="0"/>
+              <a:rPr kumimoji="1" lang="ja-JP" altLang="en-US"/>
               <a:t>マスター タイトルの書式設定</a:t>
             </a:r>
-            <a:endParaRPr kumimoji="1" lang="ja-JP" altLang="en-US"/>
           </a:p>
         </p:txBody>
       </p:sp>
@@ -571,70 +575,69 @@
           <a:p>
             <a:pPr lvl="0"/>
             <a:r>
-              <a:rPr kumimoji="1" lang="ja-JP" altLang="en-US" smtClean="0"/>
+              <a:rPr kumimoji="1" lang="ja-JP" altLang="en-US"/>
               <a:t>マスター テキストの書式設定</a:t>
             </a:r>
           </a:p>
           <a:p>
             <a:pPr lvl="1"/>
             <a:r>
-              <a:rPr kumimoji="1" lang="ja-JP" altLang="en-US" smtClean="0"/>
+              <a:rPr kumimoji="1" lang="ja-JP" altLang="en-US"/>
               <a:t>第 </a:t>
             </a:r>
             <a:r>
-              <a:rPr kumimoji="1" lang="en-US" altLang="ja-JP" smtClean="0"/>
+              <a:rPr kumimoji="1" lang="en-US" altLang="ja-JP"/>
               <a:t>2 </a:t>
             </a:r>
             <a:r>
-              <a:rPr kumimoji="1" lang="ja-JP" altLang="en-US" smtClean="0"/>
+              <a:rPr kumimoji="1" lang="ja-JP" altLang="en-US"/>
               <a:t>レベル</a:t>
             </a:r>
           </a:p>
           <a:p>
             <a:pPr lvl="2"/>
             <a:r>
-              <a:rPr kumimoji="1" lang="ja-JP" altLang="en-US" smtClean="0"/>
+              <a:rPr kumimoji="1" lang="ja-JP" altLang="en-US"/>
               <a:t>第 </a:t>
             </a:r>
             <a:r>
-              <a:rPr kumimoji="1" lang="en-US" altLang="ja-JP" smtClean="0"/>
+              <a:rPr kumimoji="1" lang="en-US" altLang="ja-JP"/>
               <a:t>3 </a:t>
             </a:r>
             <a:r>
-              <a:rPr kumimoji="1" lang="ja-JP" altLang="en-US" smtClean="0"/>
+              <a:rPr kumimoji="1" lang="ja-JP" altLang="en-US"/>
               <a:t>レベル</a:t>
             </a:r>
           </a:p>
           <a:p>
             <a:pPr lvl="3"/>
             <a:r>
-              <a:rPr kumimoji="1" lang="ja-JP" altLang="en-US" smtClean="0"/>
+              <a:rPr kumimoji="1" lang="ja-JP" altLang="en-US"/>
               <a:t>第 </a:t>
             </a:r>
             <a:r>
-              <a:rPr kumimoji="1" lang="en-US" altLang="ja-JP" smtClean="0"/>
+              <a:rPr kumimoji="1" lang="en-US" altLang="ja-JP"/>
               <a:t>4 </a:t>
             </a:r>
             <a:r>
-              <a:rPr kumimoji="1" lang="ja-JP" altLang="en-US" smtClean="0"/>
+              <a:rPr kumimoji="1" lang="ja-JP" altLang="en-US"/>
               <a:t>レベル</a:t>
             </a:r>
           </a:p>
           <a:p>
             <a:pPr lvl="4"/>
             <a:r>
-              <a:rPr kumimoji="1" lang="ja-JP" altLang="en-US" smtClean="0"/>
+              <a:rPr kumimoji="1" lang="ja-JP" altLang="en-US"/>
               <a:t>第 </a:t>
             </a:r>
             <a:r>
-              <a:rPr kumimoji="1" lang="en-US" altLang="ja-JP" smtClean="0"/>
+              <a:rPr kumimoji="1" lang="en-US" altLang="ja-JP"/>
               <a:t>5 </a:t>
             </a:r>
             <a:r>
-              <a:rPr kumimoji="1" lang="ja-JP" altLang="en-US" smtClean="0"/>
+              <a:rPr kumimoji="1" lang="ja-JP" altLang="en-US"/>
               <a:t>レベル</a:t>
             </a:r>
-            <a:endParaRPr kumimoji="1" lang="ja-JP" altLang="en-US"/>
           </a:p>
         </p:txBody>
       </p:sp>
@@ -655,7 +658,7 @@
           <a:p>
             <a:fld id="{72B939DA-1ACB-4356-BB99-714DB5D0760A}" type="datetimeFigureOut">
               <a:rPr kumimoji="1" lang="ja-JP" altLang="en-US" smtClean="0"/>
-              <a:t>2018/1/26</a:t>
+              <a:t>2018/1/28</a:t>
             </a:fld>
             <a:endParaRPr kumimoji="1" lang="ja-JP" altLang="en-US"/>
           </a:p>
@@ -749,10 +752,9 @@
           <a:lstStyle/>
           <a:p>
             <a:r>
-              <a:rPr kumimoji="1" lang="ja-JP" altLang="en-US" smtClean="0"/>
+              <a:rPr kumimoji="1" lang="ja-JP" altLang="en-US"/>
               <a:t>マスター タイトルの書式設定</a:t>
             </a:r>
-            <a:endParaRPr kumimoji="1" lang="ja-JP" altLang="en-US"/>
           </a:p>
         </p:txBody>
       </p:sp>
@@ -773,70 +775,69 @@
           <a:p>
             <a:pPr lvl="0"/>
             <a:r>
-              <a:rPr kumimoji="1" lang="ja-JP" altLang="en-US" smtClean="0"/>
+              <a:rPr kumimoji="1" lang="ja-JP" altLang="en-US"/>
               <a:t>マスター テキストの書式設定</a:t>
             </a:r>
           </a:p>
           <a:p>
             <a:pPr lvl="1"/>
             <a:r>
-              <a:rPr kumimoji="1" lang="ja-JP" altLang="en-US" smtClean="0"/>
+              <a:rPr kumimoji="1" lang="ja-JP" altLang="en-US"/>
               <a:t>第 </a:t>
             </a:r>
             <a:r>
-              <a:rPr kumimoji="1" lang="en-US" altLang="ja-JP" smtClean="0"/>
+              <a:rPr kumimoji="1" lang="en-US" altLang="ja-JP"/>
               <a:t>2 </a:t>
             </a:r>
             <a:r>
-              <a:rPr kumimoji="1" lang="ja-JP" altLang="en-US" smtClean="0"/>
+              <a:rPr kumimoji="1" lang="ja-JP" altLang="en-US"/>
               <a:t>レベル</a:t>
             </a:r>
           </a:p>
           <a:p>
             <a:pPr lvl="2"/>
             <a:r>
-              <a:rPr kumimoji="1" lang="ja-JP" altLang="en-US" smtClean="0"/>
+              <a:rPr kumimoji="1" lang="ja-JP" altLang="en-US"/>
               <a:t>第 </a:t>
             </a:r>
             <a:r>
-              <a:rPr kumimoji="1" lang="en-US" altLang="ja-JP" smtClean="0"/>
+              <a:rPr kumimoji="1" lang="en-US" altLang="ja-JP"/>
               <a:t>3 </a:t>
             </a:r>
             <a:r>
-              <a:rPr kumimoji="1" lang="ja-JP" altLang="en-US" smtClean="0"/>
+              <a:rPr kumimoji="1" lang="ja-JP" altLang="en-US"/>
               <a:t>レベル</a:t>
             </a:r>
           </a:p>
           <a:p>
             <a:pPr lvl="3"/>
             <a:r>
-              <a:rPr kumimoji="1" lang="ja-JP" altLang="en-US" smtClean="0"/>
+              <a:rPr kumimoji="1" lang="ja-JP" altLang="en-US"/>
               <a:t>第 </a:t>
             </a:r>
             <a:r>
-              <a:rPr kumimoji="1" lang="en-US" altLang="ja-JP" smtClean="0"/>
+              <a:rPr kumimoji="1" lang="en-US" altLang="ja-JP"/>
               <a:t>4 </a:t>
             </a:r>
             <a:r>
-              <a:rPr kumimoji="1" lang="ja-JP" altLang="en-US" smtClean="0"/>
+              <a:rPr kumimoji="1" lang="ja-JP" altLang="en-US"/>
               <a:t>レベル</a:t>
             </a:r>
           </a:p>
           <a:p>
             <a:pPr lvl="4"/>
             <a:r>
-              <a:rPr kumimoji="1" lang="ja-JP" altLang="en-US" smtClean="0"/>
+              <a:rPr kumimoji="1" lang="ja-JP" altLang="en-US"/>
               <a:t>第 </a:t>
             </a:r>
             <a:r>
-              <a:rPr kumimoji="1" lang="en-US" altLang="ja-JP" smtClean="0"/>
+              <a:rPr kumimoji="1" lang="en-US" altLang="ja-JP"/>
               <a:t>5 </a:t>
             </a:r>
             <a:r>
-              <a:rPr kumimoji="1" lang="ja-JP" altLang="en-US" smtClean="0"/>
+              <a:rPr kumimoji="1" lang="ja-JP" altLang="en-US"/>
               <a:t>レベル</a:t>
             </a:r>
-            <a:endParaRPr kumimoji="1" lang="ja-JP" altLang="en-US"/>
           </a:p>
         </p:txBody>
       </p:sp>
@@ -857,7 +858,7 @@
           <a:p>
             <a:fld id="{72B939DA-1ACB-4356-BB99-714DB5D0760A}" type="datetimeFigureOut">
               <a:rPr kumimoji="1" lang="ja-JP" altLang="en-US" smtClean="0"/>
-              <a:t>2018/1/26</a:t>
+              <a:t>2018/1/28</a:t>
             </a:fld>
             <a:endParaRPr kumimoji="1" lang="ja-JP" altLang="en-US"/>
           </a:p>
@@ -960,10 +961,9 @@
           </a:lstStyle>
           <a:p>
             <a:r>
-              <a:rPr kumimoji="1" lang="ja-JP" altLang="en-US" smtClean="0"/>
+              <a:rPr kumimoji="1" lang="ja-JP" altLang="en-US"/>
               <a:t>マスター タイトルの書式設定</a:t>
             </a:r>
-            <a:endParaRPr kumimoji="1" lang="ja-JP" altLang="en-US"/>
           </a:p>
         </p:txBody>
       </p:sp>
@@ -1080,7 +1080,7 @@
           <a:p>
             <a:pPr lvl="0"/>
             <a:r>
-              <a:rPr kumimoji="1" lang="ja-JP" altLang="en-US" smtClean="0"/>
+              <a:rPr kumimoji="1" lang="ja-JP" altLang="en-US"/>
               <a:t>マスター テキストの書式設定</a:t>
             </a:r>
           </a:p>
@@ -1103,7 +1103,7 @@
           <a:p>
             <a:fld id="{72B939DA-1ACB-4356-BB99-714DB5D0760A}" type="datetimeFigureOut">
               <a:rPr kumimoji="1" lang="ja-JP" altLang="en-US" smtClean="0"/>
-              <a:t>2018/1/26</a:t>
+              <a:t>2018/1/28</a:t>
             </a:fld>
             <a:endParaRPr kumimoji="1" lang="ja-JP" altLang="en-US"/>
           </a:p>
@@ -1197,10 +1197,9 @@
           <a:lstStyle/>
           <a:p>
             <a:r>
-              <a:rPr kumimoji="1" lang="ja-JP" altLang="en-US" smtClean="0"/>
+              <a:rPr kumimoji="1" lang="ja-JP" altLang="en-US"/>
               <a:t>マスター タイトルの書式設定</a:t>
             </a:r>
-            <a:endParaRPr kumimoji="1" lang="ja-JP" altLang="en-US"/>
           </a:p>
         </p:txBody>
       </p:sp>
@@ -1226,70 +1225,69 @@
           <a:p>
             <a:pPr lvl="0"/>
             <a:r>
-              <a:rPr kumimoji="1" lang="ja-JP" altLang="en-US" smtClean="0"/>
+              <a:rPr kumimoji="1" lang="ja-JP" altLang="en-US"/>
               <a:t>マスター テキストの書式設定</a:t>
             </a:r>
           </a:p>
           <a:p>
             <a:pPr lvl="1"/>
             <a:r>
-              <a:rPr kumimoji="1" lang="ja-JP" altLang="en-US" smtClean="0"/>
+              <a:rPr kumimoji="1" lang="ja-JP" altLang="en-US"/>
               <a:t>第 </a:t>
             </a:r>
             <a:r>
-              <a:rPr kumimoji="1" lang="en-US" altLang="ja-JP" smtClean="0"/>
+              <a:rPr kumimoji="1" lang="en-US" altLang="ja-JP"/>
               <a:t>2 </a:t>
             </a:r>
             <a:r>
-              <a:rPr kumimoji="1" lang="ja-JP" altLang="en-US" smtClean="0"/>
+              <a:rPr kumimoji="1" lang="ja-JP" altLang="en-US"/>
               <a:t>レベル</a:t>
             </a:r>
           </a:p>
           <a:p>
             <a:pPr lvl="2"/>
             <a:r>
-              <a:rPr kumimoji="1" lang="ja-JP" altLang="en-US" smtClean="0"/>
+              <a:rPr kumimoji="1" lang="ja-JP" altLang="en-US"/>
               <a:t>第 </a:t>
             </a:r>
             <a:r>
-              <a:rPr kumimoji="1" lang="en-US" altLang="ja-JP" smtClean="0"/>
+              <a:rPr kumimoji="1" lang="en-US" altLang="ja-JP"/>
               <a:t>3 </a:t>
             </a:r>
             <a:r>
-              <a:rPr kumimoji="1" lang="ja-JP" altLang="en-US" smtClean="0"/>
+              <a:rPr kumimoji="1" lang="ja-JP" altLang="en-US"/>
               <a:t>レベル</a:t>
             </a:r>
           </a:p>
           <a:p>
             <a:pPr lvl="3"/>
             <a:r>
-              <a:rPr kumimoji="1" lang="ja-JP" altLang="en-US" smtClean="0"/>
+              <a:rPr kumimoji="1" lang="ja-JP" altLang="en-US"/>
               <a:t>第 </a:t>
             </a:r>
             <a:r>
-              <a:rPr kumimoji="1" lang="en-US" altLang="ja-JP" smtClean="0"/>
+              <a:rPr kumimoji="1" lang="en-US" altLang="ja-JP"/>
               <a:t>4 </a:t>
             </a:r>
             <a:r>
-              <a:rPr kumimoji="1" lang="ja-JP" altLang="en-US" smtClean="0"/>
+              <a:rPr kumimoji="1" lang="ja-JP" altLang="en-US"/>
               <a:t>レベル</a:t>
             </a:r>
           </a:p>
           <a:p>
             <a:pPr lvl="4"/>
             <a:r>
-              <a:rPr kumimoji="1" lang="ja-JP" altLang="en-US" smtClean="0"/>
+              <a:rPr kumimoji="1" lang="ja-JP" altLang="en-US"/>
               <a:t>第 </a:t>
             </a:r>
             <a:r>
-              <a:rPr kumimoji="1" lang="en-US" altLang="ja-JP" smtClean="0"/>
+              <a:rPr kumimoji="1" lang="en-US" altLang="ja-JP"/>
               <a:t>5 </a:t>
             </a:r>
             <a:r>
-              <a:rPr kumimoji="1" lang="ja-JP" altLang="en-US" smtClean="0"/>
+              <a:rPr kumimoji="1" lang="ja-JP" altLang="en-US"/>
               <a:t>レベル</a:t>
             </a:r>
-            <a:endParaRPr kumimoji="1" lang="ja-JP" altLang="en-US"/>
           </a:p>
         </p:txBody>
       </p:sp>
@@ -1315,70 +1313,69 @@
           <a:p>
             <a:pPr lvl="0"/>
             <a:r>
-              <a:rPr kumimoji="1" lang="ja-JP" altLang="en-US" smtClean="0"/>
+              <a:rPr kumimoji="1" lang="ja-JP" altLang="en-US"/>
               <a:t>マスター テキストの書式設定</a:t>
             </a:r>
           </a:p>
           <a:p>
             <a:pPr lvl="1"/>
             <a:r>
-              <a:rPr kumimoji="1" lang="ja-JP" altLang="en-US" smtClean="0"/>
+              <a:rPr kumimoji="1" lang="ja-JP" altLang="en-US"/>
               <a:t>第 </a:t>
             </a:r>
             <a:r>
-              <a:rPr kumimoji="1" lang="en-US" altLang="ja-JP" smtClean="0"/>
+              <a:rPr kumimoji="1" lang="en-US" altLang="ja-JP"/>
               <a:t>2 </a:t>
             </a:r>
             <a:r>
-              <a:rPr kumimoji="1" lang="ja-JP" altLang="en-US" smtClean="0"/>
+              <a:rPr kumimoji="1" lang="ja-JP" altLang="en-US"/>
               <a:t>レベル</a:t>
             </a:r>
           </a:p>
           <a:p>
             <a:pPr lvl="2"/>
             <a:r>
-              <a:rPr kumimoji="1" lang="ja-JP" altLang="en-US" smtClean="0"/>
+              <a:rPr kumimoji="1" lang="ja-JP" altLang="en-US"/>
               <a:t>第 </a:t>
             </a:r>
             <a:r>
-              <a:rPr kumimoji="1" lang="en-US" altLang="ja-JP" smtClean="0"/>
+              <a:rPr kumimoji="1" lang="en-US" altLang="ja-JP"/>
               <a:t>3 </a:t>
             </a:r>
             <a:r>
-              <a:rPr kumimoji="1" lang="ja-JP" altLang="en-US" smtClean="0"/>
+              <a:rPr kumimoji="1" lang="ja-JP" altLang="en-US"/>
               <a:t>レベル</a:t>
             </a:r>
           </a:p>
           <a:p>
             <a:pPr lvl="3"/>
             <a:r>
-              <a:rPr kumimoji="1" lang="ja-JP" altLang="en-US" smtClean="0"/>
+              <a:rPr kumimoji="1" lang="ja-JP" altLang="en-US"/>
               <a:t>第 </a:t>
             </a:r>
             <a:r>
-              <a:rPr kumimoji="1" lang="en-US" altLang="ja-JP" smtClean="0"/>
+              <a:rPr kumimoji="1" lang="en-US" altLang="ja-JP"/>
               <a:t>4 </a:t>
             </a:r>
             <a:r>
-              <a:rPr kumimoji="1" lang="ja-JP" altLang="en-US" smtClean="0"/>
+              <a:rPr kumimoji="1" lang="ja-JP" altLang="en-US"/>
               <a:t>レベル</a:t>
             </a:r>
           </a:p>
           <a:p>
             <a:pPr lvl="4"/>
             <a:r>
-              <a:rPr kumimoji="1" lang="ja-JP" altLang="en-US" smtClean="0"/>
+              <a:rPr kumimoji="1" lang="ja-JP" altLang="en-US"/>
               <a:t>第 </a:t>
             </a:r>
             <a:r>
-              <a:rPr kumimoji="1" lang="en-US" altLang="ja-JP" smtClean="0"/>
+              <a:rPr kumimoji="1" lang="en-US" altLang="ja-JP"/>
               <a:t>5 </a:t>
             </a:r>
             <a:r>
-              <a:rPr kumimoji="1" lang="ja-JP" altLang="en-US" smtClean="0"/>
+              <a:rPr kumimoji="1" lang="ja-JP" altLang="en-US"/>
               <a:t>レベル</a:t>
             </a:r>
-            <a:endParaRPr kumimoji="1" lang="ja-JP" altLang="en-US"/>
           </a:p>
         </p:txBody>
       </p:sp>
@@ -1399,7 +1396,7 @@
           <a:p>
             <a:fld id="{72B939DA-1ACB-4356-BB99-714DB5D0760A}" type="datetimeFigureOut">
               <a:rPr kumimoji="1" lang="ja-JP" altLang="en-US" smtClean="0"/>
-              <a:t>2018/1/26</a:t>
+              <a:t>2018/1/28</a:t>
             </a:fld>
             <a:endParaRPr kumimoji="1" lang="ja-JP" altLang="en-US"/>
           </a:p>
@@ -1498,10 +1495,9 @@
           <a:lstStyle/>
           <a:p>
             <a:r>
-              <a:rPr kumimoji="1" lang="ja-JP" altLang="en-US" smtClean="0"/>
+              <a:rPr kumimoji="1" lang="ja-JP" altLang="en-US"/>
               <a:t>マスター タイトルの書式設定</a:t>
             </a:r>
-            <a:endParaRPr kumimoji="1" lang="ja-JP" altLang="en-US"/>
           </a:p>
         </p:txBody>
       </p:sp>
@@ -1564,7 +1560,7 @@
           <a:p>
             <a:pPr lvl="0"/>
             <a:r>
-              <a:rPr kumimoji="1" lang="ja-JP" altLang="en-US" smtClean="0"/>
+              <a:rPr kumimoji="1" lang="ja-JP" altLang="en-US"/>
               <a:t>マスター テキストの書式設定</a:t>
             </a:r>
           </a:p>
@@ -1592,70 +1588,69 @@
           <a:p>
             <a:pPr lvl="0"/>
             <a:r>
-              <a:rPr kumimoji="1" lang="ja-JP" altLang="en-US" smtClean="0"/>
+              <a:rPr kumimoji="1" lang="ja-JP" altLang="en-US"/>
               <a:t>マスター テキストの書式設定</a:t>
             </a:r>
           </a:p>
           <a:p>
             <a:pPr lvl="1"/>
             <a:r>
-              <a:rPr kumimoji="1" lang="ja-JP" altLang="en-US" smtClean="0"/>
+              <a:rPr kumimoji="1" lang="ja-JP" altLang="en-US"/>
               <a:t>第 </a:t>
             </a:r>
             <a:r>
-              <a:rPr kumimoji="1" lang="en-US" altLang="ja-JP" smtClean="0"/>
+              <a:rPr kumimoji="1" lang="en-US" altLang="ja-JP"/>
               <a:t>2 </a:t>
             </a:r>
             <a:r>
-              <a:rPr kumimoji="1" lang="ja-JP" altLang="en-US" smtClean="0"/>
+              <a:rPr kumimoji="1" lang="ja-JP" altLang="en-US"/>
               <a:t>レベル</a:t>
             </a:r>
           </a:p>
           <a:p>
             <a:pPr lvl="2"/>
             <a:r>
-              <a:rPr kumimoji="1" lang="ja-JP" altLang="en-US" smtClean="0"/>
+              <a:rPr kumimoji="1" lang="ja-JP" altLang="en-US"/>
               <a:t>第 </a:t>
             </a:r>
             <a:r>
-              <a:rPr kumimoji="1" lang="en-US" altLang="ja-JP" smtClean="0"/>
+              <a:rPr kumimoji="1" lang="en-US" altLang="ja-JP"/>
               <a:t>3 </a:t>
             </a:r>
             <a:r>
-              <a:rPr kumimoji="1" lang="ja-JP" altLang="en-US" smtClean="0"/>
+              <a:rPr kumimoji="1" lang="ja-JP" altLang="en-US"/>
               <a:t>レベル</a:t>
             </a:r>
           </a:p>
           <a:p>
             <a:pPr lvl="3"/>
             <a:r>
-              <a:rPr kumimoji="1" lang="ja-JP" altLang="en-US" smtClean="0"/>
+              <a:rPr kumimoji="1" lang="ja-JP" altLang="en-US"/>
               <a:t>第 </a:t>
             </a:r>
             <a:r>
-              <a:rPr kumimoji="1" lang="en-US" altLang="ja-JP" smtClean="0"/>
+              <a:rPr kumimoji="1" lang="en-US" altLang="ja-JP"/>
               <a:t>4 </a:t>
             </a:r>
             <a:r>
-              <a:rPr kumimoji="1" lang="ja-JP" altLang="en-US" smtClean="0"/>
+              <a:rPr kumimoji="1" lang="ja-JP" altLang="en-US"/>
               <a:t>レベル</a:t>
             </a:r>
           </a:p>
           <a:p>
             <a:pPr lvl="4"/>
             <a:r>
-              <a:rPr kumimoji="1" lang="ja-JP" altLang="en-US" smtClean="0"/>
+              <a:rPr kumimoji="1" lang="ja-JP" altLang="en-US"/>
               <a:t>第 </a:t>
             </a:r>
             <a:r>
-              <a:rPr kumimoji="1" lang="en-US" altLang="ja-JP" smtClean="0"/>
+              <a:rPr kumimoji="1" lang="en-US" altLang="ja-JP"/>
               <a:t>5 </a:t>
             </a:r>
             <a:r>
-              <a:rPr kumimoji="1" lang="ja-JP" altLang="en-US" smtClean="0"/>
+              <a:rPr kumimoji="1" lang="ja-JP" altLang="en-US"/>
               <a:t>レベル</a:t>
             </a:r>
-            <a:endParaRPr kumimoji="1" lang="ja-JP" altLang="en-US"/>
           </a:p>
         </p:txBody>
       </p:sp>
@@ -1718,7 +1713,7 @@
           <a:p>
             <a:pPr lvl="0"/>
             <a:r>
-              <a:rPr kumimoji="1" lang="ja-JP" altLang="en-US" smtClean="0"/>
+              <a:rPr kumimoji="1" lang="ja-JP" altLang="en-US"/>
               <a:t>マスター テキストの書式設定</a:t>
             </a:r>
           </a:p>
@@ -1746,70 +1741,69 @@
           <a:p>
             <a:pPr lvl="0"/>
             <a:r>
-              <a:rPr kumimoji="1" lang="ja-JP" altLang="en-US" smtClean="0"/>
+              <a:rPr kumimoji="1" lang="ja-JP" altLang="en-US"/>
               <a:t>マスター テキストの書式設定</a:t>
             </a:r>
           </a:p>
           <a:p>
             <a:pPr lvl="1"/>
             <a:r>
-              <a:rPr kumimoji="1" lang="ja-JP" altLang="en-US" smtClean="0"/>
+              <a:rPr kumimoji="1" lang="ja-JP" altLang="en-US"/>
               <a:t>第 </a:t>
             </a:r>
             <a:r>
-              <a:rPr kumimoji="1" lang="en-US" altLang="ja-JP" smtClean="0"/>
+              <a:rPr kumimoji="1" lang="en-US" altLang="ja-JP"/>
               <a:t>2 </a:t>
             </a:r>
             <a:r>
-              <a:rPr kumimoji="1" lang="ja-JP" altLang="en-US" smtClean="0"/>
+              <a:rPr kumimoji="1" lang="ja-JP" altLang="en-US"/>
               <a:t>レベル</a:t>
             </a:r>
           </a:p>
           <a:p>
             <a:pPr lvl="2"/>
             <a:r>
-              <a:rPr kumimoji="1" lang="ja-JP" altLang="en-US" smtClean="0"/>
+              <a:rPr kumimoji="1" lang="ja-JP" altLang="en-US"/>
               <a:t>第 </a:t>
             </a:r>
             <a:r>
-              <a:rPr kumimoji="1" lang="en-US" altLang="ja-JP" smtClean="0"/>
+              <a:rPr kumimoji="1" lang="en-US" altLang="ja-JP"/>
               <a:t>3 </a:t>
             </a:r>
             <a:r>
-              <a:rPr kumimoji="1" lang="ja-JP" altLang="en-US" smtClean="0"/>
+              <a:rPr kumimoji="1" lang="ja-JP" altLang="en-US"/>
               <a:t>レベル</a:t>
             </a:r>
           </a:p>
           <a:p>
             <a:pPr lvl="3"/>
             <a:r>
-              <a:rPr kumimoji="1" lang="ja-JP" altLang="en-US" smtClean="0"/>
+              <a:rPr kumimoji="1" lang="ja-JP" altLang="en-US"/>
               <a:t>第 </a:t>
             </a:r>
             <a:r>
-              <a:rPr kumimoji="1" lang="en-US" altLang="ja-JP" smtClean="0"/>
+              <a:rPr kumimoji="1" lang="en-US" altLang="ja-JP"/>
               <a:t>4 </a:t>
             </a:r>
             <a:r>
-              <a:rPr kumimoji="1" lang="ja-JP" altLang="en-US" smtClean="0"/>
+              <a:rPr kumimoji="1" lang="ja-JP" altLang="en-US"/>
               <a:t>レベル</a:t>
             </a:r>
           </a:p>
           <a:p>
             <a:pPr lvl="4"/>
             <a:r>
-              <a:rPr kumimoji="1" lang="ja-JP" altLang="en-US" smtClean="0"/>
+              <a:rPr kumimoji="1" lang="ja-JP" altLang="en-US"/>
               <a:t>第 </a:t>
             </a:r>
             <a:r>
-              <a:rPr kumimoji="1" lang="en-US" altLang="ja-JP" smtClean="0"/>
+              <a:rPr kumimoji="1" lang="en-US" altLang="ja-JP"/>
               <a:t>5 </a:t>
             </a:r>
             <a:r>
-              <a:rPr kumimoji="1" lang="ja-JP" altLang="en-US" smtClean="0"/>
+              <a:rPr kumimoji="1" lang="ja-JP" altLang="en-US"/>
               <a:t>レベル</a:t>
             </a:r>
-            <a:endParaRPr kumimoji="1" lang="ja-JP" altLang="en-US"/>
           </a:p>
         </p:txBody>
       </p:sp>
@@ -1830,7 +1824,7 @@
           <a:p>
             <a:fld id="{72B939DA-1ACB-4356-BB99-714DB5D0760A}" type="datetimeFigureOut">
               <a:rPr kumimoji="1" lang="ja-JP" altLang="en-US" smtClean="0"/>
-              <a:t>2018/1/26</a:t>
+              <a:t>2018/1/28</a:t>
             </a:fld>
             <a:endParaRPr kumimoji="1" lang="ja-JP" altLang="en-US"/>
           </a:p>
@@ -1924,10 +1918,9 @@
           <a:lstStyle/>
           <a:p>
             <a:r>
-              <a:rPr kumimoji="1" lang="ja-JP" altLang="en-US" smtClean="0"/>
+              <a:rPr kumimoji="1" lang="ja-JP" altLang="en-US"/>
               <a:t>マスター タイトルの書式設定</a:t>
             </a:r>
-            <a:endParaRPr kumimoji="1" lang="ja-JP" altLang="en-US"/>
           </a:p>
         </p:txBody>
       </p:sp>
@@ -1948,7 +1941,7 @@
           <a:p>
             <a:fld id="{72B939DA-1ACB-4356-BB99-714DB5D0760A}" type="datetimeFigureOut">
               <a:rPr kumimoji="1" lang="ja-JP" altLang="en-US" smtClean="0"/>
-              <a:t>2018/1/26</a:t>
+              <a:t>2018/1/28</a:t>
             </a:fld>
             <a:endParaRPr kumimoji="1" lang="ja-JP" altLang="en-US"/>
           </a:p>
@@ -2043,7 +2036,7 @@
           <a:p>
             <a:fld id="{72B939DA-1ACB-4356-BB99-714DB5D0760A}" type="datetimeFigureOut">
               <a:rPr kumimoji="1" lang="ja-JP" altLang="en-US" smtClean="0"/>
-              <a:t>2018/1/26</a:t>
+              <a:t>2018/1/28</a:t>
             </a:fld>
             <a:endParaRPr kumimoji="1" lang="ja-JP" altLang="en-US"/>
           </a:p>
@@ -2146,10 +2139,9 @@
           </a:lstStyle>
           <a:p>
             <a:r>
-              <a:rPr kumimoji="1" lang="ja-JP" altLang="en-US" smtClean="0"/>
+              <a:rPr kumimoji="1" lang="ja-JP" altLang="en-US"/>
               <a:t>マスター タイトルの書式設定</a:t>
             </a:r>
-            <a:endParaRPr kumimoji="1" lang="ja-JP" altLang="en-US"/>
           </a:p>
         </p:txBody>
       </p:sp>
@@ -2203,70 +2195,69 @@
           <a:p>
             <a:pPr lvl="0"/>
             <a:r>
-              <a:rPr kumimoji="1" lang="ja-JP" altLang="en-US" smtClean="0"/>
+              <a:rPr kumimoji="1" lang="ja-JP" altLang="en-US"/>
               <a:t>マスター テキストの書式設定</a:t>
             </a:r>
           </a:p>
           <a:p>
             <a:pPr lvl="1"/>
             <a:r>
-              <a:rPr kumimoji="1" lang="ja-JP" altLang="en-US" smtClean="0"/>
+              <a:rPr kumimoji="1" lang="ja-JP" altLang="en-US"/>
               <a:t>第 </a:t>
             </a:r>
             <a:r>
-              <a:rPr kumimoji="1" lang="en-US" altLang="ja-JP" smtClean="0"/>
+              <a:rPr kumimoji="1" lang="en-US" altLang="ja-JP"/>
               <a:t>2 </a:t>
             </a:r>
             <a:r>
-              <a:rPr kumimoji="1" lang="ja-JP" altLang="en-US" smtClean="0"/>
+              <a:rPr kumimoji="1" lang="ja-JP" altLang="en-US"/>
               <a:t>レベル</a:t>
             </a:r>
           </a:p>
           <a:p>
             <a:pPr lvl="2"/>
             <a:r>
-              <a:rPr kumimoji="1" lang="ja-JP" altLang="en-US" smtClean="0"/>
+              <a:rPr kumimoji="1" lang="ja-JP" altLang="en-US"/>
               <a:t>第 </a:t>
             </a:r>
             <a:r>
-              <a:rPr kumimoji="1" lang="en-US" altLang="ja-JP" smtClean="0"/>
+              <a:rPr kumimoji="1" lang="en-US" altLang="ja-JP"/>
               <a:t>3 </a:t>
             </a:r>
             <a:r>
-              <a:rPr kumimoji="1" lang="ja-JP" altLang="en-US" smtClean="0"/>
+              <a:rPr kumimoji="1" lang="ja-JP" altLang="en-US"/>
               <a:t>レベル</a:t>
             </a:r>
           </a:p>
           <a:p>
             <a:pPr lvl="3"/>
             <a:r>
-              <a:rPr kumimoji="1" lang="ja-JP" altLang="en-US" smtClean="0"/>
+              <a:rPr kumimoji="1" lang="ja-JP" altLang="en-US"/>
               <a:t>第 </a:t>
             </a:r>
             <a:r>
-              <a:rPr kumimoji="1" lang="en-US" altLang="ja-JP" smtClean="0"/>
+              <a:rPr kumimoji="1" lang="en-US" altLang="ja-JP"/>
               <a:t>4 </a:t>
             </a:r>
             <a:r>
-              <a:rPr kumimoji="1" lang="ja-JP" altLang="en-US" smtClean="0"/>
+              <a:rPr kumimoji="1" lang="ja-JP" altLang="en-US"/>
               <a:t>レベル</a:t>
             </a:r>
           </a:p>
           <a:p>
             <a:pPr lvl="4"/>
             <a:r>
-              <a:rPr kumimoji="1" lang="ja-JP" altLang="en-US" smtClean="0"/>
+              <a:rPr kumimoji="1" lang="ja-JP" altLang="en-US"/>
               <a:t>第 </a:t>
             </a:r>
             <a:r>
-              <a:rPr kumimoji="1" lang="en-US" altLang="ja-JP" smtClean="0"/>
+              <a:rPr kumimoji="1" lang="en-US" altLang="ja-JP"/>
               <a:t>5 </a:t>
             </a:r>
             <a:r>
-              <a:rPr kumimoji="1" lang="ja-JP" altLang="en-US" smtClean="0"/>
+              <a:rPr kumimoji="1" lang="ja-JP" altLang="en-US"/>
               <a:t>レベル</a:t>
             </a:r>
-            <a:endParaRPr kumimoji="1" lang="ja-JP" altLang="en-US"/>
           </a:p>
         </p:txBody>
       </p:sp>
@@ -2329,7 +2320,7 @@
           <a:p>
             <a:pPr lvl="0"/>
             <a:r>
-              <a:rPr kumimoji="1" lang="ja-JP" altLang="en-US" smtClean="0"/>
+              <a:rPr kumimoji="1" lang="ja-JP" altLang="en-US"/>
               <a:t>マスター テキストの書式設定</a:t>
             </a:r>
           </a:p>
@@ -2352,7 +2343,7 @@
           <a:p>
             <a:fld id="{72B939DA-1ACB-4356-BB99-714DB5D0760A}" type="datetimeFigureOut">
               <a:rPr kumimoji="1" lang="ja-JP" altLang="en-US" smtClean="0"/>
-              <a:t>2018/1/26</a:t>
+              <a:t>2018/1/28</a:t>
             </a:fld>
             <a:endParaRPr kumimoji="1" lang="ja-JP" altLang="en-US"/>
           </a:p>
@@ -2455,10 +2446,9 @@
           </a:lstStyle>
           <a:p>
             <a:r>
-              <a:rPr kumimoji="1" lang="ja-JP" altLang="en-US" smtClean="0"/>
+              <a:rPr kumimoji="1" lang="ja-JP" altLang="en-US"/>
               <a:t>マスター タイトルの書式設定</a:t>
             </a:r>
-            <a:endParaRPr kumimoji="1" lang="ja-JP" altLang="en-US"/>
           </a:p>
         </p:txBody>
       </p:sp>
@@ -2582,7 +2572,7 @@
           <a:p>
             <a:pPr lvl="0"/>
             <a:r>
-              <a:rPr kumimoji="1" lang="ja-JP" altLang="en-US" smtClean="0"/>
+              <a:rPr kumimoji="1" lang="ja-JP" altLang="en-US"/>
               <a:t>マスター テキストの書式設定</a:t>
             </a:r>
           </a:p>
@@ -2605,7 +2595,7 @@
           <a:p>
             <a:fld id="{72B939DA-1ACB-4356-BB99-714DB5D0760A}" type="datetimeFigureOut">
               <a:rPr kumimoji="1" lang="ja-JP" altLang="en-US" smtClean="0"/>
-              <a:t>2018/1/26</a:t>
+              <a:t>2018/1/28</a:t>
             </a:fld>
             <a:endParaRPr kumimoji="1" lang="ja-JP" altLang="en-US"/>
           </a:p>
@@ -2714,10 +2704,9 @@
           <a:lstStyle/>
           <a:p>
             <a:r>
-              <a:rPr kumimoji="1" lang="ja-JP" altLang="en-US" smtClean="0"/>
+              <a:rPr kumimoji="1" lang="ja-JP" altLang="en-US"/>
               <a:t>マスター タイトルの書式設定</a:t>
             </a:r>
-            <a:endParaRPr kumimoji="1" lang="ja-JP" altLang="en-US"/>
           </a:p>
         </p:txBody>
       </p:sp>
@@ -2748,70 +2737,69 @@
           <a:p>
             <a:pPr lvl="0"/>
             <a:r>
-              <a:rPr kumimoji="1" lang="ja-JP" altLang="en-US" smtClean="0"/>
+              <a:rPr kumimoji="1" lang="ja-JP" altLang="en-US"/>
               <a:t>マスター テキストの書式設定</a:t>
             </a:r>
           </a:p>
           <a:p>
             <a:pPr lvl="1"/>
             <a:r>
-              <a:rPr kumimoji="1" lang="ja-JP" altLang="en-US" smtClean="0"/>
+              <a:rPr kumimoji="1" lang="ja-JP" altLang="en-US"/>
               <a:t>第 </a:t>
             </a:r>
             <a:r>
-              <a:rPr kumimoji="1" lang="en-US" altLang="ja-JP" smtClean="0"/>
+              <a:rPr kumimoji="1" lang="en-US" altLang="ja-JP"/>
               <a:t>2 </a:t>
             </a:r>
             <a:r>
-              <a:rPr kumimoji="1" lang="ja-JP" altLang="en-US" smtClean="0"/>
+              <a:rPr kumimoji="1" lang="ja-JP" altLang="en-US"/>
               <a:t>レベル</a:t>
             </a:r>
           </a:p>
           <a:p>
             <a:pPr lvl="2"/>
             <a:r>
-              <a:rPr kumimoji="1" lang="ja-JP" altLang="en-US" smtClean="0"/>
+              <a:rPr kumimoji="1" lang="ja-JP" altLang="en-US"/>
               <a:t>第 </a:t>
             </a:r>
             <a:r>
-              <a:rPr kumimoji="1" lang="en-US" altLang="ja-JP" smtClean="0"/>
+              <a:rPr kumimoji="1" lang="en-US" altLang="ja-JP"/>
               <a:t>3 </a:t>
             </a:r>
             <a:r>
-              <a:rPr kumimoji="1" lang="ja-JP" altLang="en-US" smtClean="0"/>
+              <a:rPr kumimoji="1" lang="ja-JP" altLang="en-US"/>
               <a:t>レベル</a:t>
             </a:r>
           </a:p>
           <a:p>
             <a:pPr lvl="3"/>
             <a:r>
-              <a:rPr kumimoji="1" lang="ja-JP" altLang="en-US" smtClean="0"/>
+              <a:rPr kumimoji="1" lang="ja-JP" altLang="en-US"/>
               <a:t>第 </a:t>
             </a:r>
             <a:r>
-              <a:rPr kumimoji="1" lang="en-US" altLang="ja-JP" smtClean="0"/>
+              <a:rPr kumimoji="1" lang="en-US" altLang="ja-JP"/>
               <a:t>4 </a:t>
             </a:r>
             <a:r>
-              <a:rPr kumimoji="1" lang="ja-JP" altLang="en-US" smtClean="0"/>
+              <a:rPr kumimoji="1" lang="ja-JP" altLang="en-US"/>
               <a:t>レベル</a:t>
             </a:r>
           </a:p>
           <a:p>
             <a:pPr lvl="4"/>
             <a:r>
-              <a:rPr kumimoji="1" lang="ja-JP" altLang="en-US" smtClean="0"/>
+              <a:rPr kumimoji="1" lang="ja-JP" altLang="en-US"/>
               <a:t>第 </a:t>
             </a:r>
             <a:r>
-              <a:rPr kumimoji="1" lang="en-US" altLang="ja-JP" smtClean="0"/>
+              <a:rPr kumimoji="1" lang="en-US" altLang="ja-JP"/>
               <a:t>5 </a:t>
             </a:r>
             <a:r>
-              <a:rPr kumimoji="1" lang="ja-JP" altLang="en-US" smtClean="0"/>
+              <a:rPr kumimoji="1" lang="ja-JP" altLang="en-US"/>
               <a:t>レベル</a:t>
             </a:r>
-            <a:endParaRPr kumimoji="1" lang="ja-JP" altLang="en-US"/>
           </a:p>
         </p:txBody>
       </p:sp>
@@ -2850,7 +2838,7 @@
           <a:p>
             <a:fld id="{72B939DA-1ACB-4356-BB99-714DB5D0760A}" type="datetimeFigureOut">
               <a:rPr kumimoji="1" lang="ja-JP" altLang="en-US" smtClean="0"/>
-              <a:t>2018/1/26</a:t>
+              <a:t>2018/1/28</a:t>
             </a:fld>
             <a:endParaRPr kumimoji="1" lang="ja-JP" altLang="en-US"/>
           </a:p>
@@ -3287,7 +3275,7 @@
       </p:pic>
       <p:pic>
         <p:nvPicPr>
-          <p:cNvPr id="5" name="図 4"/>
+          <p:cNvPr id="6" name="図 5"/>
           <p:cNvPicPr>
             <a:picLocks noChangeAspect="1"/>
           </p:cNvPicPr>
@@ -3307,17 +3295,191 @@
         </p:blipFill>
         <p:spPr>
           <a:xfrm>
-            <a:off x="6855665" y="2618088"/>
-            <a:ext cx="4729611" cy="3774593"/>
+            <a:off x="975380" y="471558"/>
+            <a:ext cx="3771428" cy="1117460"/>
           </a:xfrm>
           <a:prstGeom prst="rect">
             <a:avLst/>
           </a:prstGeom>
         </p:spPr>
       </p:pic>
+      <p:sp>
+        <p:nvSpPr>
+          <p:cNvPr id="8" name="テキスト ボックス 7"/>
+          <p:cNvSpPr txBox="1"/>
+          <p:nvPr/>
+        </p:nvSpPr>
+        <p:spPr>
+          <a:xfrm>
+            <a:off x="1838640" y="2136338"/>
+            <a:ext cx="2908168" cy="3139321"/>
+          </a:xfrm>
+          <a:prstGeom prst="rect">
+            <a:avLst/>
+          </a:prstGeom>
+        </p:spPr>
+        <p:style>
+          <a:lnRef idx="3">
+            <a:schemeClr val="lt1"/>
+          </a:lnRef>
+          <a:fillRef idx="1">
+            <a:schemeClr val="accent6"/>
+          </a:fillRef>
+          <a:effectRef idx="1">
+            <a:schemeClr val="accent6"/>
+          </a:effectRef>
+          <a:fontRef idx="minor">
+            <a:schemeClr val="lt1"/>
+          </a:fontRef>
+        </p:style>
+        <p:txBody>
+          <a:bodyPr wrap="none" rtlCol="0">
+            <a:spAutoFit/>
+          </a:bodyPr>
+          <a:lstStyle/>
+          <a:p>
+            <a:r>
+              <a:rPr kumimoji="1" lang="ja-JP" altLang="en-US" dirty="0"/>
+              <a:t>麻生情報ビジネス専門学校</a:t>
+            </a:r>
+            <a:endParaRPr kumimoji="1" lang="en-US" altLang="ja-JP" dirty="0"/>
+          </a:p>
+          <a:p>
+            <a:endParaRPr kumimoji="1" lang="en-US" altLang="ja-JP" dirty="0"/>
+          </a:p>
+          <a:p>
+            <a:r>
+              <a:rPr lang="ja-JP" altLang="en-US" dirty="0"/>
+              <a:t>ゲームクリエータ専攻科 </a:t>
+            </a:r>
+            <a:r>
+              <a:rPr lang="en-US" altLang="ja-JP" dirty="0"/>
+              <a:t>3</a:t>
+            </a:r>
+            <a:r>
+              <a:rPr lang="ja-JP" altLang="en-US" dirty="0"/>
+              <a:t>年</a:t>
+            </a:r>
+            <a:endParaRPr lang="en-US" altLang="ja-JP" dirty="0"/>
+          </a:p>
+          <a:p>
+            <a:endParaRPr lang="en-US" altLang="ja-JP" dirty="0"/>
+          </a:p>
+          <a:p>
+            <a:r>
+              <a:rPr kumimoji="1" lang="ja-JP" altLang="en-US" dirty="0"/>
+              <a:t>チーム名 </a:t>
+            </a:r>
+            <a:r>
+              <a:rPr kumimoji="1" lang="en-US" altLang="ja-JP" dirty="0"/>
+              <a:t>: </a:t>
+            </a:r>
+            <a:r>
+              <a:rPr kumimoji="1" lang="ja-JP" altLang="en-US" dirty="0"/>
+              <a:t> </a:t>
+            </a:r>
+            <a:r>
+              <a:rPr lang="en-US" altLang="ja-JP" dirty="0" err="1"/>
+              <a:t>teamDestroy</a:t>
+            </a:r>
+            <a:endParaRPr lang="en-US" altLang="ja-JP" dirty="0"/>
+          </a:p>
+          <a:p>
+            <a:endParaRPr lang="en-US" altLang="ja-JP" dirty="0"/>
+          </a:p>
+          <a:p>
+            <a:pPr algn="ctr"/>
+            <a:r>
+              <a:rPr lang="ja-JP" altLang="ja-JP" dirty="0"/>
+              <a:t>佐々木観月</a:t>
+            </a:r>
+            <a:endParaRPr lang="en-US" altLang="ja-JP" dirty="0"/>
+          </a:p>
+          <a:p>
+            <a:pPr algn="ctr"/>
+            <a:r>
+              <a:rPr lang="ja-JP" altLang="ja-JP" dirty="0"/>
+              <a:t>笛田裕稀</a:t>
+            </a:r>
+            <a:endParaRPr lang="en-US" altLang="ja-JP" dirty="0"/>
+          </a:p>
+          <a:p>
+            <a:pPr algn="ctr"/>
+            <a:r>
+              <a:rPr lang="ja-JP" altLang="ja-JP" dirty="0"/>
+              <a:t>倉員玲奈</a:t>
+            </a:r>
+            <a:endParaRPr lang="en-US" altLang="ja-JP" dirty="0"/>
+          </a:p>
+          <a:p>
+            <a:pPr algn="ctr"/>
+            <a:r>
+              <a:rPr lang="ja-JP" altLang="ja-JP" dirty="0"/>
+              <a:t>佐藤照明</a:t>
+            </a:r>
+          </a:p>
+          <a:p>
+            <a:endParaRPr kumimoji="1" lang="ja-JP" altLang="en-US" dirty="0"/>
+          </a:p>
+        </p:txBody>
+      </p:sp>
+      <p:sp>
+        <p:nvSpPr>
+          <p:cNvPr id="9" name="テキスト ボックス 8"/>
+          <p:cNvSpPr txBox="1"/>
+          <p:nvPr/>
+        </p:nvSpPr>
+        <p:spPr>
+          <a:xfrm>
+            <a:off x="5397801" y="707122"/>
+            <a:ext cx="2792752" cy="646331"/>
+          </a:xfrm>
+          <a:prstGeom prst="rect">
+            <a:avLst/>
+          </a:prstGeom>
+          <a:noFill/>
+        </p:spPr>
+        <p:txBody>
+          <a:bodyPr wrap="none" rtlCol="0">
+            <a:spAutoFit/>
+          </a:bodyPr>
+          <a:lstStyle/>
+          <a:p>
+            <a:r>
+              <a:rPr kumimoji="1" lang="ja-JP" altLang="en-US" b="1" dirty="0"/>
+              <a:t>ハード </a:t>
+            </a:r>
+            <a:r>
+              <a:rPr kumimoji="1" lang="en-US" altLang="ja-JP" b="1" dirty="0"/>
+              <a:t>: PC</a:t>
+            </a:r>
+          </a:p>
+          <a:p>
+            <a:r>
+              <a:rPr lang="ja-JP" altLang="en-US" b="1" dirty="0"/>
+              <a:t>ジャンル </a:t>
+            </a:r>
+            <a:r>
+              <a:rPr lang="en-US" altLang="ja-JP" b="1" dirty="0"/>
+              <a:t>: </a:t>
+            </a:r>
+            <a:r>
+              <a:rPr lang="ja-JP" altLang="en-US" b="1" dirty="0"/>
+              <a:t>アクションゲーム</a:t>
+            </a:r>
+            <a:endParaRPr kumimoji="1" lang="ja-JP" altLang="en-US" b="1" dirty="0"/>
+          </a:p>
+        </p:txBody>
+      </p:sp>
       <p:pic>
         <p:nvPicPr>
-          <p:cNvPr id="6" name="図 5"/>
+          <p:cNvPr id="10" name="図 9">
+            <a:extLst>
+              <a:ext uri="{FF2B5EF4-FFF2-40B4-BE49-F238E27FC236}">
+                <a16:creationId xmlns:a16="http://schemas.microsoft.com/office/drawing/2014/main" id="{A59E9FA8-218C-4EA6-96EF-44A0689F3D54}"/>
+              </a:ext>
+            </a:extLst>
+          </p:cNvPr>
           <p:cNvPicPr>
             <a:picLocks noChangeAspect="1"/>
           </p:cNvPicPr>
@@ -3337,182 +3499,14 @@
         </p:blipFill>
         <p:spPr>
           <a:xfrm>
-            <a:off x="975380" y="471558"/>
-            <a:ext cx="3771428" cy="1117460"/>
+            <a:off x="5943276" y="2049129"/>
+            <a:ext cx="5029523" cy="4101749"/>
           </a:xfrm>
           <a:prstGeom prst="rect">
             <a:avLst/>
           </a:prstGeom>
         </p:spPr>
       </p:pic>
-      <p:sp>
-        <p:nvSpPr>
-          <p:cNvPr id="8" name="テキスト ボックス 7"/>
-          <p:cNvSpPr txBox="1"/>
-          <p:nvPr/>
-        </p:nvSpPr>
-        <p:spPr>
-          <a:xfrm>
-            <a:off x="1838640" y="2136338"/>
-            <a:ext cx="2908168" cy="3139321"/>
-          </a:xfrm>
-          <a:prstGeom prst="rect">
-            <a:avLst/>
-          </a:prstGeom>
-        </p:spPr>
-        <p:style>
-          <a:lnRef idx="3">
-            <a:schemeClr val="lt1"/>
-          </a:lnRef>
-          <a:fillRef idx="1">
-            <a:schemeClr val="accent6"/>
-          </a:fillRef>
-          <a:effectRef idx="1">
-            <a:schemeClr val="accent6"/>
-          </a:effectRef>
-          <a:fontRef idx="minor">
-            <a:schemeClr val="lt1"/>
-          </a:fontRef>
-        </p:style>
-        <p:txBody>
-          <a:bodyPr wrap="none" rtlCol="0">
-            <a:spAutoFit/>
-          </a:bodyPr>
-          <a:lstStyle/>
-          <a:p>
-            <a:r>
-              <a:rPr kumimoji="1" lang="ja-JP" altLang="en-US" dirty="0" smtClean="0"/>
-              <a:t>麻生情報ビジネス専門学校</a:t>
-            </a:r>
-            <a:endParaRPr kumimoji="1" lang="en-US" altLang="ja-JP" dirty="0" smtClean="0"/>
-          </a:p>
-          <a:p>
-            <a:endParaRPr kumimoji="1" lang="en-US" altLang="ja-JP" dirty="0" smtClean="0"/>
-          </a:p>
-          <a:p>
-            <a:r>
-              <a:rPr lang="ja-JP" altLang="en-US" dirty="0" smtClean="0"/>
-              <a:t>ゲームクリエータ専攻科 </a:t>
-            </a:r>
-            <a:r>
-              <a:rPr lang="en-US" altLang="ja-JP" dirty="0" smtClean="0"/>
-              <a:t>3</a:t>
-            </a:r>
-            <a:r>
-              <a:rPr lang="ja-JP" altLang="en-US" dirty="0" smtClean="0"/>
-              <a:t>年</a:t>
-            </a:r>
-            <a:endParaRPr lang="en-US" altLang="ja-JP" dirty="0" smtClean="0"/>
-          </a:p>
-          <a:p>
-            <a:endParaRPr lang="en-US" altLang="ja-JP" dirty="0"/>
-          </a:p>
-          <a:p>
-            <a:r>
-              <a:rPr kumimoji="1" lang="ja-JP" altLang="en-US" dirty="0" smtClean="0"/>
-              <a:t>チーム名 </a:t>
-            </a:r>
-            <a:r>
-              <a:rPr kumimoji="1" lang="en-US" altLang="ja-JP" dirty="0" smtClean="0"/>
-              <a:t>: </a:t>
-            </a:r>
-            <a:r>
-              <a:rPr kumimoji="1" lang="ja-JP" altLang="en-US" dirty="0" smtClean="0"/>
-              <a:t> </a:t>
-            </a:r>
-            <a:r>
-              <a:rPr lang="en-US" altLang="ja-JP" dirty="0" err="1" smtClean="0"/>
-              <a:t>teamDestroy</a:t>
-            </a:r>
-            <a:endParaRPr lang="en-US" altLang="ja-JP" dirty="0" smtClean="0"/>
-          </a:p>
-          <a:p>
-            <a:endParaRPr lang="en-US" altLang="ja-JP" dirty="0" smtClean="0"/>
-          </a:p>
-          <a:p>
-            <a:pPr algn="ctr"/>
-            <a:r>
-              <a:rPr lang="ja-JP" altLang="ja-JP" dirty="0" smtClean="0"/>
-              <a:t>佐々木観月</a:t>
-            </a:r>
-            <a:endParaRPr lang="en-US" altLang="ja-JP" dirty="0" smtClean="0"/>
-          </a:p>
-          <a:p>
-            <a:pPr algn="ctr"/>
-            <a:r>
-              <a:rPr lang="ja-JP" altLang="ja-JP" dirty="0" smtClean="0"/>
-              <a:t>笛田裕稀</a:t>
-            </a:r>
-            <a:endParaRPr lang="en-US" altLang="ja-JP" dirty="0" smtClean="0"/>
-          </a:p>
-          <a:p>
-            <a:pPr algn="ctr"/>
-            <a:r>
-              <a:rPr lang="ja-JP" altLang="ja-JP" dirty="0" smtClean="0"/>
-              <a:t>倉員玲奈</a:t>
-            </a:r>
-            <a:endParaRPr lang="en-US" altLang="ja-JP" dirty="0" smtClean="0"/>
-          </a:p>
-          <a:p>
-            <a:pPr algn="ctr"/>
-            <a:r>
-              <a:rPr lang="ja-JP" altLang="ja-JP" dirty="0" smtClean="0"/>
-              <a:t>佐藤照明</a:t>
-            </a:r>
-          </a:p>
-          <a:p>
-            <a:endParaRPr kumimoji="1" lang="ja-JP" altLang="en-US" dirty="0"/>
-          </a:p>
-        </p:txBody>
-      </p:sp>
-      <p:sp>
-        <p:nvSpPr>
-          <p:cNvPr id="9" name="テキスト ボックス 8"/>
-          <p:cNvSpPr txBox="1"/>
-          <p:nvPr/>
-        </p:nvSpPr>
-        <p:spPr>
-          <a:xfrm>
-            <a:off x="5397801" y="707122"/>
-            <a:ext cx="2792752" cy="646331"/>
-          </a:xfrm>
-          <a:prstGeom prst="rect">
-            <a:avLst/>
-          </a:prstGeom>
-          <a:noFill/>
-        </p:spPr>
-        <p:txBody>
-          <a:bodyPr wrap="none" rtlCol="0">
-            <a:spAutoFit/>
-          </a:bodyPr>
-          <a:lstStyle/>
-          <a:p>
-            <a:r>
-              <a:rPr kumimoji="1" lang="ja-JP" altLang="en-US" dirty="0" smtClean="0"/>
-              <a:t>ハード </a:t>
-            </a:r>
-            <a:r>
-              <a:rPr kumimoji="1" lang="en-US" altLang="ja-JP" dirty="0" smtClean="0"/>
-              <a:t>: PC</a:t>
-            </a:r>
-          </a:p>
-          <a:p>
-            <a:r>
-              <a:rPr lang="ja-JP" altLang="en-US" dirty="0" smtClean="0"/>
-              <a:t>ジャンル </a:t>
-            </a:r>
-            <a:r>
-              <a:rPr lang="en-US" altLang="ja-JP" dirty="0" smtClean="0"/>
-              <a:t>: </a:t>
-            </a:r>
-            <a:r>
-              <a:rPr lang="ja-JP" altLang="en-US" dirty="0" smtClean="0"/>
-              <a:t>アクションゲーム</a:t>
-            </a:r>
-            <a:endParaRPr kumimoji="1" lang="ja-JP" altLang="en-US" dirty="0"/>
-          </a:p>
-        </p:txBody>
-      </p:sp>
     </p:spTree>
     <p:extLst>
       <p:ext uri="{BB962C8B-B14F-4D97-AF65-F5344CB8AC3E}">
@@ -3650,50 +3644,9 @@
           <a:lstStyle/>
           <a:p>
             <a:r>
-              <a:rPr kumimoji="1" lang="ja-JP" altLang="en-US" sz="6000" dirty="0" smtClean="0"/>
+              <a:rPr kumimoji="1" lang="ja-JP" altLang="en-US" sz="6000" dirty="0"/>
               <a:t>テーマ    破壊</a:t>
             </a:r>
-            <a:endParaRPr kumimoji="1" lang="ja-JP" altLang="en-US" sz="6000" dirty="0"/>
-          </a:p>
-        </p:txBody>
-      </p:sp>
-      <p:sp>
-        <p:nvSpPr>
-          <p:cNvPr id="7" name="正方形/長方形 6"/>
-          <p:cNvSpPr/>
-          <p:nvPr/>
-        </p:nvSpPr>
-        <p:spPr>
-          <a:xfrm>
-            <a:off x="2019718" y="3642631"/>
-            <a:ext cx="3587262" cy="2883877"/>
-          </a:xfrm>
-          <a:prstGeom prst="rect">
-            <a:avLst/>
-          </a:prstGeom>
-        </p:spPr>
-        <p:style>
-          <a:lnRef idx="2">
-            <a:schemeClr val="accent1">
-              <a:shade val="50000"/>
-            </a:schemeClr>
-          </a:lnRef>
-          <a:fillRef idx="1">
-            <a:schemeClr val="accent1"/>
-          </a:fillRef>
-          <a:effectRef idx="0">
-            <a:schemeClr val="accent1"/>
-          </a:effectRef>
-          <a:fontRef idx="minor">
-            <a:schemeClr val="lt1"/>
-          </a:fontRef>
-        </p:style>
-        <p:txBody>
-          <a:bodyPr rtlCol="0" anchor="ctr"/>
-          <a:lstStyle/>
-          <a:p>
-            <a:pPr algn="ctr"/>
-            <a:endParaRPr kumimoji="1" lang="ja-JP" altLang="en-US"/>
           </a:p>
         </p:txBody>
       </p:sp>
@@ -3720,80 +3673,40 @@
           <a:lstStyle/>
           <a:p>
             <a:r>
-              <a:rPr kumimoji="1" lang="ja-JP" altLang="en-US" dirty="0" smtClean="0"/>
+              <a:rPr kumimoji="1" lang="ja-JP" altLang="en-US" b="1" dirty="0"/>
               <a:t>破壊の気持ちよさを追求し</a:t>
             </a:r>
-            <a:endParaRPr kumimoji="1" lang="en-US" altLang="ja-JP" dirty="0" smtClean="0"/>
+            <a:endParaRPr kumimoji="1" lang="en-US" altLang="ja-JP" b="1" dirty="0"/>
+          </a:p>
+          <a:p>
+            <a:endParaRPr lang="en-US" altLang="ja-JP" b="1" dirty="0"/>
+          </a:p>
+          <a:p>
+            <a:r>
+              <a:rPr kumimoji="1" lang="ja-JP" altLang="en-US" b="1" dirty="0"/>
+              <a:t>プレーヤーは足の姿をした生物</a:t>
+            </a:r>
+            <a:r>
+              <a:rPr lang="ja-JP" altLang="en-US" b="1" dirty="0"/>
+              <a:t>「あしまん」となって</a:t>
+            </a:r>
+            <a:endParaRPr lang="en-US" altLang="ja-JP" b="1" dirty="0"/>
+          </a:p>
+          <a:p>
+            <a:endParaRPr kumimoji="1" lang="en-US" altLang="ja-JP" b="1" dirty="0"/>
+          </a:p>
+          <a:p>
+            <a:r>
+              <a:rPr kumimoji="1" lang="ja-JP" altLang="en-US" b="1" dirty="0"/>
+              <a:t>人々を襲います</a:t>
+            </a:r>
+            <a:endParaRPr kumimoji="1" lang="en-US" altLang="ja-JP" b="1" dirty="0"/>
           </a:p>
           <a:p>
             <a:endParaRPr lang="en-US" altLang="ja-JP" dirty="0"/>
           </a:p>
           <a:p>
-            <a:r>
-              <a:rPr kumimoji="1" lang="ja-JP" altLang="en-US" dirty="0" smtClean="0"/>
-              <a:t>プレーヤーは足の姿をした生物</a:t>
-            </a:r>
-            <a:r>
-              <a:rPr lang="ja-JP" altLang="en-US" dirty="0" smtClean="0"/>
-              <a:t>「あしまん」となって</a:t>
-            </a:r>
-            <a:endParaRPr lang="en-US" altLang="ja-JP" dirty="0" smtClean="0"/>
-          </a:p>
-          <a:p>
-            <a:endParaRPr kumimoji="1" lang="en-US" altLang="ja-JP" dirty="0"/>
-          </a:p>
-          <a:p>
-            <a:r>
-              <a:rPr kumimoji="1" lang="ja-JP" altLang="en-US" dirty="0" smtClean="0"/>
-              <a:t>人々を襲います</a:t>
-            </a:r>
-            <a:endParaRPr kumimoji="1" lang="en-US" altLang="ja-JP" dirty="0" smtClean="0"/>
-          </a:p>
-          <a:p>
-            <a:endParaRPr lang="en-US" altLang="ja-JP" dirty="0"/>
-          </a:p>
-          <a:p>
             <a:endParaRPr kumimoji="1" lang="ja-JP" altLang="en-US" dirty="0"/>
-          </a:p>
-        </p:txBody>
-      </p:sp>
-      <p:sp>
-        <p:nvSpPr>
-          <p:cNvPr id="9" name="正方形/長方形 8"/>
-          <p:cNvSpPr/>
-          <p:nvPr/>
-        </p:nvSpPr>
-        <p:spPr>
-          <a:xfrm>
-            <a:off x="7614926" y="4220307"/>
-            <a:ext cx="3406391" cy="2095145"/>
-          </a:xfrm>
-          <a:prstGeom prst="rect">
-            <a:avLst/>
-          </a:prstGeom>
-        </p:spPr>
-        <p:style>
-          <a:lnRef idx="2">
-            <a:schemeClr val="accent1">
-              <a:shade val="50000"/>
-            </a:schemeClr>
-          </a:lnRef>
-          <a:fillRef idx="1">
-            <a:schemeClr val="accent1"/>
-          </a:fillRef>
-          <a:effectRef idx="0">
-            <a:schemeClr val="accent1"/>
-          </a:effectRef>
-          <a:fontRef idx="minor">
-            <a:schemeClr val="lt1"/>
-          </a:fontRef>
-        </p:style>
-        <p:txBody>
-          <a:bodyPr rtlCol="0" anchor="ctr"/>
-          <a:lstStyle/>
-          <a:p>
-            <a:pPr algn="ctr"/>
-            <a:endParaRPr kumimoji="1" lang="ja-JP" altLang="en-US"/>
           </a:p>
         </p:txBody>
       </p:sp>
@@ -3820,35 +3733,159 @@
           <a:lstStyle/>
           <a:p>
             <a:r>
-              <a:rPr lang="ja-JP" altLang="en-US" smtClean="0"/>
+              <a:rPr lang="ja-JP" altLang="en-US" b="1" dirty="0"/>
               <a:t>制限時間までに</a:t>
             </a:r>
             <a:r>
-              <a:rPr kumimoji="1" lang="ja-JP" altLang="en-US" smtClean="0"/>
-              <a:t>出現</a:t>
-            </a:r>
-            <a:r>
-              <a:rPr kumimoji="1" lang="ja-JP" altLang="en-US" dirty="0" smtClean="0"/>
-              <a:t>する人々を</a:t>
-            </a:r>
-            <a:endParaRPr kumimoji="1" lang="en-US" altLang="ja-JP" dirty="0" smtClean="0"/>
-          </a:p>
-          <a:p>
-            <a:endParaRPr kumimoji="1" lang="en-US" altLang="ja-JP" dirty="0" smtClean="0"/>
-          </a:p>
-          <a:p>
-            <a:r>
-              <a:rPr lang="ja-JP" altLang="en-US" dirty="0"/>
-              <a:t>足</a:t>
-            </a:r>
-            <a:r>
-              <a:rPr lang="ja-JP" altLang="en-US" dirty="0" smtClean="0"/>
-              <a:t>でひたすら踏みつけます</a:t>
-            </a:r>
-            <a:endParaRPr kumimoji="1" lang="ja-JP" altLang="en-US" dirty="0"/>
-          </a:p>
-        </p:txBody>
-      </p:sp>
+              <a:rPr kumimoji="1" lang="ja-JP" altLang="en-US" b="1" dirty="0"/>
+              <a:t>出現する人々を</a:t>
+            </a:r>
+            <a:endParaRPr kumimoji="1" lang="en-US" altLang="ja-JP" b="1" dirty="0"/>
+          </a:p>
+          <a:p>
+            <a:endParaRPr kumimoji="1" lang="en-US" altLang="ja-JP" b="1" dirty="0"/>
+          </a:p>
+          <a:p>
+            <a:r>
+              <a:rPr lang="ja-JP" altLang="en-US" b="1" dirty="0"/>
+              <a:t>足でひたすら踏みつけます</a:t>
+            </a:r>
+            <a:endParaRPr kumimoji="1" lang="ja-JP" altLang="en-US" b="1" dirty="0"/>
+          </a:p>
+        </p:txBody>
+      </p:sp>
+      <p:pic>
+        <p:nvPicPr>
+          <p:cNvPr id="4" name="図 3">
+            <a:extLst>
+              <a:ext uri="{FF2B5EF4-FFF2-40B4-BE49-F238E27FC236}">
+                <a16:creationId xmlns:a16="http://schemas.microsoft.com/office/drawing/2014/main" id="{0A248DE0-D0AE-4961-AE6C-2FB91640A2FC}"/>
+              </a:ext>
+            </a:extLst>
+          </p:cNvPr>
+          <p:cNvPicPr>
+            <a:picLocks noChangeAspect="1"/>
+          </p:cNvPicPr>
+          <p:nvPr/>
+        </p:nvPicPr>
+        <p:blipFill>
+          <a:blip r:embed="rId3">
+            <a:extLst>
+              <a:ext uri="{28A0092B-C50C-407E-A947-70E740481C1C}">
+                <a14:useLocalDpi xmlns:a14="http://schemas.microsoft.com/office/drawing/2010/main" val="0"/>
+              </a:ext>
+            </a:extLst>
+          </a:blip>
+          <a:stretch>
+            <a:fillRect/>
+          </a:stretch>
+        </p:blipFill>
+        <p:spPr>
+          <a:xfrm>
+            <a:off x="1413994" y="3516229"/>
+            <a:ext cx="4262906" cy="3134727"/>
+          </a:xfrm>
+          <a:prstGeom prst="rect">
+            <a:avLst/>
+          </a:prstGeom>
+          <a:solidFill>
+            <a:srgbClr val="FFFFFF">
+              <a:shade val="85000"/>
+            </a:srgbClr>
+          </a:solidFill>
+          <a:ln w="88900" cap="sq">
+            <a:solidFill>
+              <a:srgbClr val="FFFFFF"/>
+            </a:solidFill>
+            <a:miter lim="800000"/>
+          </a:ln>
+          <a:effectLst>
+            <a:outerShdw blurRad="55000" dist="18000" dir="5400000" algn="tl" rotWithShape="0">
+              <a:srgbClr val="000000">
+                <a:alpha val="40000"/>
+              </a:srgbClr>
+            </a:outerShdw>
+          </a:effectLst>
+          <a:scene3d>
+            <a:camera prst="orthographicFront"/>
+            <a:lightRig rig="twoPt" dir="t">
+              <a:rot lat="0" lon="0" rev="7200000"/>
+            </a:lightRig>
+          </a:scene3d>
+          <a:sp3d>
+            <a:bevelT w="25400" h="19050"/>
+            <a:contourClr>
+              <a:srgbClr val="FFFFFF"/>
+            </a:contourClr>
+          </a:sp3d>
+        </p:spPr>
+      </p:pic>
+      <p:pic>
+        <p:nvPicPr>
+          <p:cNvPr id="12" name="図 11">
+            <a:extLst>
+              <a:ext uri="{FF2B5EF4-FFF2-40B4-BE49-F238E27FC236}">
+                <a16:creationId xmlns:a16="http://schemas.microsoft.com/office/drawing/2014/main" id="{F9397FFA-0EED-4319-9E76-DFB3DBF430CC}"/>
+              </a:ext>
+            </a:extLst>
+          </p:cNvPr>
+          <p:cNvPicPr>
+            <a:picLocks noChangeAspect="1"/>
+          </p:cNvPicPr>
+          <p:nvPr/>
+        </p:nvPicPr>
+        <p:blipFill>
+          <a:blip r:embed="rId4">
+            <a:extLst>
+              <a:ext uri="{28A0092B-C50C-407E-A947-70E740481C1C}">
+                <a14:useLocalDpi xmlns:a14="http://schemas.microsoft.com/office/drawing/2010/main" val="0"/>
+              </a:ext>
+            </a:extLst>
+          </a:blip>
+          <a:stretch>
+            <a:fillRect/>
+          </a:stretch>
+        </p:blipFill>
+        <p:spPr>
+          <a:xfrm>
+            <a:off x="6978440" y="3515558"/>
+            <a:ext cx="4262906" cy="3135398"/>
+          </a:xfrm>
+          <a:prstGeom prst="rect">
+            <a:avLst/>
+          </a:prstGeom>
+          <a:solidFill>
+            <a:srgbClr val="FFFFFF">
+              <a:shade val="85000"/>
+            </a:srgbClr>
+          </a:solidFill>
+          <a:ln w="88900" cap="sq">
+            <a:solidFill>
+              <a:srgbClr val="FFFFFF"/>
+            </a:solidFill>
+            <a:miter lim="800000"/>
+          </a:ln>
+          <a:effectLst>
+            <a:outerShdw blurRad="55000" dist="18000" dir="5400000" algn="tl" rotWithShape="0">
+              <a:srgbClr val="000000">
+                <a:alpha val="40000"/>
+              </a:srgbClr>
+            </a:outerShdw>
+          </a:effectLst>
+          <a:scene3d>
+            <a:camera prst="orthographicFront"/>
+            <a:lightRig rig="twoPt" dir="t">
+              <a:rot lat="0" lon="0" rev="7200000"/>
+            </a:lightRig>
+          </a:scene3d>
+          <a:sp3d>
+            <a:bevelT w="25400" h="19050"/>
+            <a:contourClr>
+              <a:srgbClr val="FFFFFF"/>
+            </a:contourClr>
+          </a:sp3d>
+        </p:spPr>
+      </p:pic>
     </p:spTree>
     <p:extLst>
       <p:ext uri="{BB962C8B-B14F-4D97-AF65-F5344CB8AC3E}">
@@ -3986,7 +4023,7 @@
           <a:lstStyle/>
           <a:p>
             <a:r>
-              <a:rPr lang="ja-JP" altLang="en-US" sz="4400" dirty="0" smtClean="0"/>
+              <a:rPr lang="ja-JP" altLang="en-US" sz="4400" dirty="0"/>
               <a:t>こだわったポイント</a:t>
             </a:r>
             <a:endParaRPr kumimoji="1" lang="ja-JP" altLang="en-US" sz="4400" dirty="0"/>
@@ -4029,19 +4066,19 @@
           <a:lstStyle/>
           <a:p>
             <a:r>
-              <a:rPr kumimoji="1" lang="ja-JP" altLang="en-US" sz="2800" dirty="0" smtClean="0"/>
+              <a:rPr kumimoji="1" lang="ja-JP" altLang="en-US" sz="2800" dirty="0"/>
               <a:t> </a:t>
             </a:r>
             <a:r>
-              <a:rPr kumimoji="1" lang="en-US" altLang="ja-JP" sz="2800" dirty="0" smtClean="0"/>
+              <a:rPr kumimoji="1" lang="en-US" altLang="ja-JP" sz="2800" dirty="0"/>
               <a:t>- </a:t>
             </a:r>
             <a:r>
-              <a:rPr kumimoji="1" lang="ja-JP" altLang="en-US" sz="2800" dirty="0" smtClean="0"/>
+              <a:rPr kumimoji="1" lang="ja-JP" altLang="en-US" sz="2800" dirty="0"/>
               <a:t>破壊による気持ちよさ </a:t>
             </a:r>
             <a:r>
-              <a:rPr kumimoji="1" lang="en-US" altLang="ja-JP" sz="2800" dirty="0" smtClean="0"/>
+              <a:rPr kumimoji="1" lang="en-US" altLang="ja-JP" sz="2800" dirty="0"/>
               <a:t>-</a:t>
             </a:r>
             <a:endParaRPr kumimoji="1" lang="ja-JP" altLang="en-US" sz="2800" dirty="0"/>
@@ -4071,25 +4108,120 @@
           <a:lstStyle/>
           <a:p>
             <a:r>
-              <a:rPr kumimoji="1" lang="ja-JP" altLang="en-US" dirty="0" smtClean="0"/>
+              <a:rPr kumimoji="1" lang="ja-JP" altLang="en-US" b="1" dirty="0"/>
               <a:t>派手なエフェクトや画面揺れなどを使って破壊の演出をこだわりました</a:t>
             </a:r>
-            <a:endParaRPr kumimoji="1" lang="ja-JP" altLang="en-US" dirty="0"/>
-          </a:p>
-        </p:txBody>
-      </p:sp>
-      <p:sp>
-        <p:nvSpPr>
-          <p:cNvPr id="12" name="正方形/長方形 11"/>
+          </a:p>
+        </p:txBody>
+      </p:sp>
+      <p:sp>
+        <p:nvSpPr>
+          <p:cNvPr id="14" name="テキスト ボックス 13"/>
+          <p:cNvSpPr txBox="1"/>
+          <p:nvPr/>
+        </p:nvSpPr>
+        <p:spPr>
+          <a:xfrm>
+            <a:off x="300250" y="5025294"/>
+            <a:ext cx="3502882" cy="369332"/>
+          </a:xfrm>
+          <a:prstGeom prst="rect">
+            <a:avLst/>
+          </a:prstGeom>
+          <a:noFill/>
+        </p:spPr>
+        <p:txBody>
+          <a:bodyPr wrap="none" rtlCol="0">
+            <a:spAutoFit/>
+          </a:bodyPr>
+          <a:lstStyle/>
+          <a:p>
+            <a:r>
+              <a:rPr lang="ja-JP" altLang="en-US" b="1" dirty="0"/>
+              <a:t>踏みつけ時による派手なエフェクト</a:t>
+            </a:r>
+            <a:endParaRPr kumimoji="1" lang="ja-JP" altLang="en-US" b="1" dirty="0"/>
+          </a:p>
+        </p:txBody>
+      </p:sp>
+      <p:sp>
+        <p:nvSpPr>
+          <p:cNvPr id="15" name="テキスト ボックス 14"/>
+          <p:cNvSpPr txBox="1"/>
+          <p:nvPr/>
+        </p:nvSpPr>
+        <p:spPr>
+          <a:xfrm>
+            <a:off x="5267059" y="5025294"/>
+            <a:ext cx="1114408" cy="369332"/>
+          </a:xfrm>
+          <a:prstGeom prst="rect">
+            <a:avLst/>
+          </a:prstGeom>
+          <a:noFill/>
+        </p:spPr>
+        <p:txBody>
+          <a:bodyPr wrap="none" rtlCol="0">
+            <a:spAutoFit/>
+          </a:bodyPr>
+          <a:lstStyle/>
+          <a:p>
+            <a:r>
+              <a:rPr kumimoji="1" lang="ja-JP" altLang="en-US" b="1" dirty="0"/>
+              <a:t>画面揺れ</a:t>
+            </a:r>
+          </a:p>
+        </p:txBody>
+      </p:sp>
+      <p:sp>
+        <p:nvSpPr>
+          <p:cNvPr id="16" name="テキスト ボックス 15"/>
+          <p:cNvSpPr txBox="1"/>
+          <p:nvPr/>
+        </p:nvSpPr>
+        <p:spPr>
+          <a:xfrm>
+            <a:off x="8688288" y="5119024"/>
+            <a:ext cx="2234907" cy="646331"/>
+          </a:xfrm>
+          <a:prstGeom prst="rect">
+            <a:avLst/>
+          </a:prstGeom>
+          <a:noFill/>
+        </p:spPr>
+        <p:txBody>
+          <a:bodyPr wrap="none" rtlCol="0">
+            <a:spAutoFit/>
+          </a:bodyPr>
+          <a:lstStyle/>
+          <a:p>
+            <a:r>
+              <a:rPr kumimoji="1" lang="ja-JP" altLang="en-US" b="1" dirty="0"/>
+              <a:t>上に乗ることによって</a:t>
+            </a:r>
+            <a:endParaRPr kumimoji="1" lang="en-US" altLang="ja-JP" b="1" dirty="0"/>
+          </a:p>
+          <a:p>
+            <a:r>
+              <a:rPr lang="ja-JP" altLang="en-US" b="1" dirty="0"/>
+              <a:t>徐々に潰れていく</a:t>
+            </a:r>
+            <a:endParaRPr kumimoji="1" lang="ja-JP" altLang="en-US" b="1" dirty="0"/>
+          </a:p>
+        </p:txBody>
+      </p:sp>
+      <p:sp>
+        <p:nvSpPr>
+          <p:cNvPr id="21" name="左右矢印 20"/>
           <p:cNvSpPr/>
           <p:nvPr/>
         </p:nvSpPr>
         <p:spPr>
-          <a:xfrm>
-            <a:off x="492370" y="2309668"/>
-            <a:ext cx="2612571" cy="2321169"/>
-          </a:xfrm>
-          <a:prstGeom prst="rect">
+          <a:xfrm rot="948034">
+            <a:off x="5543339" y="2089803"/>
+            <a:ext cx="1105318" cy="258339"/>
+          </a:xfrm>
+          <a:prstGeom prst="leftRightArrow">
             <a:avLst/>
           </a:prstGeom>
         </p:spPr>
@@ -4120,16 +4252,16 @@
       </p:sp>
       <p:sp>
         <p:nvSpPr>
-          <p:cNvPr id="13" name="正方形/長方形 12"/>
+          <p:cNvPr id="22" name="左右矢印 21"/>
           <p:cNvSpPr/>
           <p:nvPr/>
         </p:nvSpPr>
         <p:spPr>
-          <a:xfrm rot="915321">
-            <a:off x="4330839" y="2420621"/>
-            <a:ext cx="2723104" cy="2150347"/>
-          </a:xfrm>
-          <a:prstGeom prst="rect">
+          <a:xfrm rot="814373">
+            <a:off x="4592045" y="4626719"/>
+            <a:ext cx="1105318" cy="258339"/>
+          </a:xfrm>
+          <a:prstGeom prst="leftRightArrow">
             <a:avLst/>
           </a:prstGeom>
         </p:spPr>
@@ -4160,117 +4292,16 @@
       </p:sp>
       <p:sp>
         <p:nvSpPr>
-          <p:cNvPr id="14" name="テキスト ボックス 13"/>
-          <p:cNvSpPr txBox="1"/>
-          <p:nvPr/>
-        </p:nvSpPr>
-        <p:spPr>
-          <a:xfrm>
-            <a:off x="300250" y="5025294"/>
-            <a:ext cx="3502882" cy="369332"/>
-          </a:xfrm>
-          <a:prstGeom prst="rect">
-            <a:avLst/>
-          </a:prstGeom>
-          <a:noFill/>
-        </p:spPr>
-        <p:txBody>
-          <a:bodyPr wrap="none" rtlCol="0">
-            <a:spAutoFit/>
-          </a:bodyPr>
-          <a:lstStyle/>
-          <a:p>
-            <a:r>
-              <a:rPr lang="ja-JP" altLang="en-US" dirty="0" smtClean="0"/>
-              <a:t>踏みつけ時による派手なエフェクト</a:t>
-            </a:r>
-            <a:endParaRPr kumimoji="1" lang="ja-JP" altLang="en-US" dirty="0"/>
-          </a:p>
-        </p:txBody>
-      </p:sp>
-      <p:sp>
-        <p:nvSpPr>
-          <p:cNvPr id="15" name="テキスト ボックス 14"/>
-          <p:cNvSpPr txBox="1"/>
-          <p:nvPr/>
-        </p:nvSpPr>
-        <p:spPr>
-          <a:xfrm>
-            <a:off x="5267059" y="5025294"/>
-            <a:ext cx="1103187" cy="369332"/>
-          </a:xfrm>
-          <a:prstGeom prst="rect">
-            <a:avLst/>
-          </a:prstGeom>
-          <a:noFill/>
-        </p:spPr>
-        <p:txBody>
-          <a:bodyPr wrap="none" rtlCol="0">
-            <a:spAutoFit/>
-          </a:bodyPr>
-          <a:lstStyle/>
-          <a:p>
-            <a:r>
-              <a:rPr kumimoji="1" lang="ja-JP" altLang="en-US" dirty="0" smtClean="0"/>
-              <a:t>画面揺れ</a:t>
-            </a:r>
-            <a:endParaRPr kumimoji="1" lang="ja-JP" altLang="en-US" dirty="0"/>
-          </a:p>
-        </p:txBody>
-      </p:sp>
-      <p:sp>
-        <p:nvSpPr>
-          <p:cNvPr id="16" name="テキスト ボックス 15"/>
-          <p:cNvSpPr txBox="1"/>
-          <p:nvPr/>
-        </p:nvSpPr>
-        <p:spPr>
-          <a:xfrm>
-            <a:off x="8688288" y="5119024"/>
-            <a:ext cx="2234907" cy="646331"/>
-          </a:xfrm>
-          <a:prstGeom prst="rect">
-            <a:avLst/>
-          </a:prstGeom>
-          <a:noFill/>
-        </p:spPr>
-        <p:txBody>
-          <a:bodyPr wrap="none" rtlCol="0">
-            <a:spAutoFit/>
-          </a:bodyPr>
-          <a:lstStyle/>
-          <a:p>
-            <a:r>
-              <a:rPr kumimoji="1" lang="ja-JP" altLang="en-US" dirty="0" smtClean="0"/>
-              <a:t>上に乗ることによって</a:t>
-            </a:r>
-            <a:endParaRPr kumimoji="1" lang="en-US" altLang="ja-JP" dirty="0" smtClean="0"/>
-          </a:p>
-          <a:p>
-            <a:r>
-              <a:rPr lang="ja-JP" altLang="en-US" dirty="0"/>
-              <a:t>徐々</a:t>
-            </a:r>
-            <a:r>
-              <a:rPr lang="ja-JP" altLang="en-US" dirty="0" smtClean="0"/>
-              <a:t>に潰れていく</a:t>
-            </a:r>
-            <a:endParaRPr kumimoji="1" lang="ja-JP" altLang="en-US" dirty="0"/>
-          </a:p>
-        </p:txBody>
-      </p:sp>
-      <p:sp>
-        <p:nvSpPr>
-          <p:cNvPr id="17" name="正方形/長方形 16"/>
+          <p:cNvPr id="23" name="左右矢印 22"/>
           <p:cNvSpPr/>
           <p:nvPr/>
         </p:nvSpPr>
         <p:spPr>
-          <a:xfrm>
-            <a:off x="7924545" y="2345077"/>
-            <a:ext cx="2666042" cy="1706767"/>
-          </a:xfrm>
-          <a:prstGeom prst="rect">
+          <a:xfrm rot="6302098">
+            <a:off x="3518586" y="2885595"/>
+            <a:ext cx="1105318" cy="258339"/>
+          </a:xfrm>
+          <a:prstGeom prst="leftRightArrow">
             <a:avLst/>
           </a:prstGeom>
         </p:spPr>
@@ -4301,16 +4332,16 @@
       </p:sp>
       <p:sp>
         <p:nvSpPr>
-          <p:cNvPr id="18" name="正方形/長方形 17"/>
+          <p:cNvPr id="24" name="左右矢印 23"/>
           <p:cNvSpPr/>
           <p:nvPr/>
         </p:nvSpPr>
         <p:spPr>
-          <a:xfrm>
-            <a:off x="10293584" y="3582013"/>
-            <a:ext cx="1523378" cy="1438869"/>
-          </a:xfrm>
-          <a:prstGeom prst="rect">
+          <a:xfrm rot="6296784">
+            <a:off x="6842940" y="3737999"/>
+            <a:ext cx="1105318" cy="258339"/>
+          </a:xfrm>
+          <a:prstGeom prst="leftRightArrow">
             <a:avLst/>
           </a:prstGeom>
         </p:spPr>
@@ -4339,6 +4370,210 @@
           </a:p>
         </p:txBody>
       </p:sp>
+      <p:pic>
+        <p:nvPicPr>
+          <p:cNvPr id="7" name="図 6">
+            <a:extLst>
+              <a:ext uri="{FF2B5EF4-FFF2-40B4-BE49-F238E27FC236}">
+                <a16:creationId xmlns:a16="http://schemas.microsoft.com/office/drawing/2014/main" id="{620280E8-3D23-44F2-869A-261AF3F25BFA}"/>
+              </a:ext>
+            </a:extLst>
+          </p:cNvPr>
+          <p:cNvPicPr>
+            <a:picLocks noChangeAspect="1"/>
+          </p:cNvPicPr>
+          <p:nvPr/>
+        </p:nvPicPr>
+        <p:blipFill>
+          <a:blip r:embed="rId3">
+            <a:extLst>
+              <a:ext uri="{28A0092B-C50C-407E-A947-70E740481C1C}">
+                <a14:useLocalDpi xmlns:a14="http://schemas.microsoft.com/office/drawing/2010/main" val="0"/>
+              </a:ext>
+            </a:extLst>
+          </a:blip>
+          <a:stretch>
+            <a:fillRect/>
+          </a:stretch>
+        </p:blipFill>
+        <p:spPr>
+          <a:xfrm>
+            <a:off x="478435" y="2528762"/>
+            <a:ext cx="2715004" cy="1800476"/>
+          </a:xfrm>
+          <a:prstGeom prst="rect">
+            <a:avLst/>
+          </a:prstGeom>
+          <a:solidFill>
+            <a:srgbClr val="FFFFFF">
+              <a:shade val="85000"/>
+            </a:srgbClr>
+          </a:solidFill>
+          <a:ln w="88900" cap="sq">
+            <a:solidFill>
+              <a:srgbClr val="FFFFFF"/>
+            </a:solidFill>
+            <a:miter lim="800000"/>
+          </a:ln>
+          <a:effectLst>
+            <a:outerShdw blurRad="55000" dist="18000" dir="5400000" algn="tl" rotWithShape="0">
+              <a:srgbClr val="000000">
+                <a:alpha val="40000"/>
+              </a:srgbClr>
+            </a:outerShdw>
+          </a:effectLst>
+          <a:scene3d>
+            <a:camera prst="orthographicFront"/>
+            <a:lightRig rig="twoPt" dir="t">
+              <a:rot lat="0" lon="0" rev="7200000"/>
+            </a:lightRig>
+          </a:scene3d>
+          <a:sp3d>
+            <a:bevelT w="25400" h="19050"/>
+            <a:contourClr>
+              <a:srgbClr val="FFFFFF"/>
+            </a:contourClr>
+          </a:sp3d>
+        </p:spPr>
+      </p:pic>
+      <p:pic>
+        <p:nvPicPr>
+          <p:cNvPr id="25" name="図 24">
+            <a:extLst>
+              <a:ext uri="{FF2B5EF4-FFF2-40B4-BE49-F238E27FC236}">
+                <a16:creationId xmlns:a16="http://schemas.microsoft.com/office/drawing/2014/main" id="{D5B4C3A0-92E8-4B09-9F8C-CF01EB8AE2FD}"/>
+              </a:ext>
+            </a:extLst>
+          </p:cNvPr>
+          <p:cNvPicPr>
+            <a:picLocks noChangeAspect="1"/>
+          </p:cNvPicPr>
+          <p:nvPr/>
+        </p:nvPicPr>
+        <p:blipFill>
+          <a:blip r:embed="rId4">
+            <a:extLst>
+              <a:ext uri="{28A0092B-C50C-407E-A947-70E740481C1C}">
+                <a14:useLocalDpi xmlns:a14="http://schemas.microsoft.com/office/drawing/2010/main" val="0"/>
+              </a:ext>
+            </a:extLst>
+          </a:blip>
+          <a:stretch>
+            <a:fillRect/>
+          </a:stretch>
+        </p:blipFill>
+        <p:spPr>
+          <a:xfrm rot="1069102">
+            <a:off x="4314312" y="2480393"/>
+            <a:ext cx="2745759" cy="2019093"/>
+          </a:xfrm>
+          <a:prstGeom prst="rect">
+            <a:avLst/>
+          </a:prstGeom>
+          <a:solidFill>
+            <a:srgbClr val="FFFFFF">
+              <a:shade val="85000"/>
+            </a:srgbClr>
+          </a:solidFill>
+          <a:ln w="88900" cap="sq">
+            <a:solidFill>
+              <a:srgbClr val="FFFFFF"/>
+            </a:solidFill>
+            <a:miter lim="800000"/>
+          </a:ln>
+          <a:effectLst>
+            <a:outerShdw blurRad="55000" dist="18000" dir="5400000" algn="tl" rotWithShape="0">
+              <a:srgbClr val="000000">
+                <a:alpha val="40000"/>
+              </a:srgbClr>
+            </a:outerShdw>
+          </a:effectLst>
+          <a:scene3d>
+            <a:camera prst="orthographicFront"/>
+            <a:lightRig rig="twoPt" dir="t">
+              <a:rot lat="0" lon="0" rev="7200000"/>
+            </a:lightRig>
+          </a:scene3d>
+          <a:sp3d>
+            <a:bevelT w="25400" h="19050"/>
+            <a:contourClr>
+              <a:srgbClr val="FFFFFF"/>
+            </a:contourClr>
+          </a:sp3d>
+        </p:spPr>
+      </p:pic>
+      <p:pic>
+        <p:nvPicPr>
+          <p:cNvPr id="28" name="図 27">
+            <a:extLst>
+              <a:ext uri="{FF2B5EF4-FFF2-40B4-BE49-F238E27FC236}">
+                <a16:creationId xmlns:a16="http://schemas.microsoft.com/office/drawing/2014/main" id="{1A012614-FCF5-4B7B-969F-0568FABFB303}"/>
+              </a:ext>
+            </a:extLst>
+          </p:cNvPr>
+          <p:cNvPicPr>
+            <a:picLocks noChangeAspect="1"/>
+          </p:cNvPicPr>
+          <p:nvPr/>
+        </p:nvPicPr>
+        <p:blipFill>
+          <a:blip r:embed="rId5">
+            <a:extLst>
+              <a:ext uri="{28A0092B-C50C-407E-A947-70E740481C1C}">
+                <a14:useLocalDpi xmlns:a14="http://schemas.microsoft.com/office/drawing/2010/main" val="0"/>
+              </a:ext>
+            </a:extLst>
+          </a:blip>
+          <a:stretch>
+            <a:fillRect/>
+          </a:stretch>
+        </p:blipFill>
+        <p:spPr>
+          <a:xfrm>
+            <a:off x="10231841" y="3685588"/>
+            <a:ext cx="1809214" cy="1325562"/>
+          </a:xfrm>
+          <a:prstGeom prst="rect">
+            <a:avLst/>
+          </a:prstGeom>
+        </p:spPr>
+      </p:pic>
+      <p:pic>
+        <p:nvPicPr>
+          <p:cNvPr id="30" name="図 29">
+            <a:extLst>
+              <a:ext uri="{FF2B5EF4-FFF2-40B4-BE49-F238E27FC236}">
+                <a16:creationId xmlns:a16="http://schemas.microsoft.com/office/drawing/2014/main" id="{14202481-D1BF-49F0-BECC-878744275CFF}"/>
+              </a:ext>
+            </a:extLst>
+          </p:cNvPr>
+          <p:cNvPicPr>
+            <a:picLocks noChangeAspect="1"/>
+          </p:cNvPicPr>
+          <p:nvPr/>
+        </p:nvPicPr>
+        <p:blipFill>
+          <a:blip r:embed="rId6">
+            <a:extLst>
+              <a:ext uri="{28A0092B-C50C-407E-A947-70E740481C1C}">
+                <a14:useLocalDpi xmlns:a14="http://schemas.microsoft.com/office/drawing/2010/main" val="0"/>
+              </a:ext>
+            </a:extLst>
+          </a:blip>
+          <a:stretch>
+            <a:fillRect/>
+          </a:stretch>
+        </p:blipFill>
+        <p:spPr>
+          <a:xfrm>
+            <a:off x="8120751" y="2411178"/>
+            <a:ext cx="2200266" cy="1515740"/>
+          </a:xfrm>
+          <a:prstGeom prst="rect">
+            <a:avLst/>
+          </a:prstGeom>
+        </p:spPr>
+      </p:pic>
       <p:sp>
         <p:nvSpPr>
           <p:cNvPr id="19" name="右矢印 18"/>
@@ -4347,170 +4582,10 @@
         </p:nvSpPr>
         <p:spPr>
           <a:xfrm rot="2843078">
-            <a:off x="9952082" y="3259049"/>
+            <a:off x="9750192" y="3348712"/>
             <a:ext cx="963297" cy="820411"/>
           </a:xfrm>
           <a:prstGeom prst="rightArrow">
-            <a:avLst/>
-          </a:prstGeom>
-        </p:spPr>
-        <p:style>
-          <a:lnRef idx="2">
-            <a:schemeClr val="accent1">
-              <a:shade val="50000"/>
-            </a:schemeClr>
-          </a:lnRef>
-          <a:fillRef idx="1">
-            <a:schemeClr val="accent1"/>
-          </a:fillRef>
-          <a:effectRef idx="0">
-            <a:schemeClr val="accent1"/>
-          </a:effectRef>
-          <a:fontRef idx="minor">
-            <a:schemeClr val="lt1"/>
-          </a:fontRef>
-        </p:style>
-        <p:txBody>
-          <a:bodyPr rtlCol="0" anchor="ctr"/>
-          <a:lstStyle/>
-          <a:p>
-            <a:pPr algn="ctr"/>
-            <a:endParaRPr kumimoji="1" lang="ja-JP" altLang="en-US"/>
-          </a:p>
-        </p:txBody>
-      </p:sp>
-      <p:sp>
-        <p:nvSpPr>
-          <p:cNvPr id="21" name="左右矢印 20"/>
-          <p:cNvSpPr/>
-          <p:nvPr/>
-        </p:nvSpPr>
-        <p:spPr>
-          <a:xfrm rot="948034">
-            <a:off x="5543339" y="2089803"/>
-            <a:ext cx="1105318" cy="258339"/>
-          </a:xfrm>
-          <a:prstGeom prst="leftRightArrow">
-            <a:avLst/>
-          </a:prstGeom>
-        </p:spPr>
-        <p:style>
-          <a:lnRef idx="2">
-            <a:schemeClr val="accent1">
-              <a:shade val="50000"/>
-            </a:schemeClr>
-          </a:lnRef>
-          <a:fillRef idx="1">
-            <a:schemeClr val="accent1"/>
-          </a:fillRef>
-          <a:effectRef idx="0">
-            <a:schemeClr val="accent1"/>
-          </a:effectRef>
-          <a:fontRef idx="minor">
-            <a:schemeClr val="lt1"/>
-          </a:fontRef>
-        </p:style>
-        <p:txBody>
-          <a:bodyPr rtlCol="0" anchor="ctr"/>
-          <a:lstStyle/>
-          <a:p>
-            <a:pPr algn="ctr"/>
-            <a:endParaRPr kumimoji="1" lang="ja-JP" altLang="en-US"/>
-          </a:p>
-        </p:txBody>
-      </p:sp>
-      <p:sp>
-        <p:nvSpPr>
-          <p:cNvPr id="22" name="左右矢印 21"/>
-          <p:cNvSpPr/>
-          <p:nvPr/>
-        </p:nvSpPr>
-        <p:spPr>
-          <a:xfrm rot="814373">
-            <a:off x="4592045" y="4626719"/>
-            <a:ext cx="1105318" cy="258339"/>
-          </a:xfrm>
-          <a:prstGeom prst="leftRightArrow">
-            <a:avLst/>
-          </a:prstGeom>
-        </p:spPr>
-        <p:style>
-          <a:lnRef idx="2">
-            <a:schemeClr val="accent1">
-              <a:shade val="50000"/>
-            </a:schemeClr>
-          </a:lnRef>
-          <a:fillRef idx="1">
-            <a:schemeClr val="accent1"/>
-          </a:fillRef>
-          <a:effectRef idx="0">
-            <a:schemeClr val="accent1"/>
-          </a:effectRef>
-          <a:fontRef idx="minor">
-            <a:schemeClr val="lt1"/>
-          </a:fontRef>
-        </p:style>
-        <p:txBody>
-          <a:bodyPr rtlCol="0" anchor="ctr"/>
-          <a:lstStyle/>
-          <a:p>
-            <a:pPr algn="ctr"/>
-            <a:endParaRPr kumimoji="1" lang="ja-JP" altLang="en-US"/>
-          </a:p>
-        </p:txBody>
-      </p:sp>
-      <p:sp>
-        <p:nvSpPr>
-          <p:cNvPr id="23" name="左右矢印 22"/>
-          <p:cNvSpPr/>
-          <p:nvPr/>
-        </p:nvSpPr>
-        <p:spPr>
-          <a:xfrm rot="6302098">
-            <a:off x="3518586" y="2885595"/>
-            <a:ext cx="1105318" cy="258339"/>
-          </a:xfrm>
-          <a:prstGeom prst="leftRightArrow">
-            <a:avLst/>
-          </a:prstGeom>
-        </p:spPr>
-        <p:style>
-          <a:lnRef idx="2">
-            <a:schemeClr val="accent1">
-              <a:shade val="50000"/>
-            </a:schemeClr>
-          </a:lnRef>
-          <a:fillRef idx="1">
-            <a:schemeClr val="accent1"/>
-          </a:fillRef>
-          <a:effectRef idx="0">
-            <a:schemeClr val="accent1"/>
-          </a:effectRef>
-          <a:fontRef idx="minor">
-            <a:schemeClr val="lt1"/>
-          </a:fontRef>
-        </p:style>
-        <p:txBody>
-          <a:bodyPr rtlCol="0" anchor="ctr"/>
-          <a:lstStyle/>
-          <a:p>
-            <a:pPr algn="ctr"/>
-            <a:endParaRPr kumimoji="1" lang="ja-JP" altLang="en-US"/>
-          </a:p>
-        </p:txBody>
-      </p:sp>
-      <p:sp>
-        <p:nvSpPr>
-          <p:cNvPr id="24" name="左右矢印 23"/>
-          <p:cNvSpPr/>
-          <p:nvPr/>
-        </p:nvSpPr>
-        <p:spPr>
-          <a:xfrm rot="6296784">
-            <a:off x="6842940" y="3737999"/>
-            <a:ext cx="1105318" cy="258339"/>
-          </a:xfrm>
-          <a:prstGeom prst="leftRightArrow">
             <a:avLst/>
           </a:prstGeom>
         </p:spPr>
@@ -4676,13 +4751,78 @@
           <a:lstStyle/>
           <a:p>
             <a:r>
-              <a:rPr kumimoji="1" lang="ja-JP" altLang="en-US" sz="4400" dirty="0" smtClean="0"/>
+              <a:rPr kumimoji="1" lang="ja-JP" altLang="en-US" sz="4400" dirty="0"/>
               <a:t>操作方法</a:t>
             </a:r>
-            <a:endParaRPr kumimoji="1" lang="ja-JP" altLang="en-US" sz="4400" dirty="0"/>
-          </a:p>
-        </p:txBody>
-      </p:sp>
+          </a:p>
+        </p:txBody>
+      </p:sp>
+      <p:pic>
+        <p:nvPicPr>
+          <p:cNvPr id="6" name="図 5">
+            <a:extLst>
+              <a:ext uri="{FF2B5EF4-FFF2-40B4-BE49-F238E27FC236}">
+                <a16:creationId xmlns:a16="http://schemas.microsoft.com/office/drawing/2014/main" id="{8E6A88EE-3778-4794-9A26-921939C802DC}"/>
+              </a:ext>
+            </a:extLst>
+          </p:cNvPr>
+          <p:cNvPicPr>
+            <a:picLocks noChangeAspect="1"/>
+          </p:cNvPicPr>
+          <p:nvPr/>
+        </p:nvPicPr>
+        <p:blipFill>
+          <a:blip r:embed="rId3">
+            <a:extLst>
+              <a:ext uri="{28A0092B-C50C-407E-A947-70E740481C1C}">
+                <a14:useLocalDpi xmlns:a14="http://schemas.microsoft.com/office/drawing/2010/main" val="0"/>
+              </a:ext>
+            </a:extLst>
+          </a:blip>
+          <a:stretch>
+            <a:fillRect/>
+          </a:stretch>
+        </p:blipFill>
+        <p:spPr>
+          <a:xfrm>
+            <a:off x="2635078" y="1595182"/>
+            <a:ext cx="6921842" cy="4854115"/>
+          </a:xfrm>
+          <a:prstGeom prst="rect">
+            <a:avLst/>
+          </a:prstGeom>
+          <a:solidFill>
+            <a:srgbClr val="FFFFFF">
+              <a:shade val="85000"/>
+            </a:srgbClr>
+          </a:solidFill>
+          <a:ln w="88900" cap="sq">
+            <a:solidFill>
+              <a:srgbClr val="FFFFFF"/>
+            </a:solidFill>
+            <a:miter lim="800000"/>
+          </a:ln>
+          <a:effectLst>
+            <a:outerShdw blurRad="55000" dist="18000" dir="5400000" algn="tl" rotWithShape="0">
+              <a:srgbClr val="000000">
+                <a:alpha val="40000"/>
+              </a:srgbClr>
+            </a:outerShdw>
+          </a:effectLst>
+          <a:scene3d>
+            <a:camera prst="orthographicFront"/>
+            <a:lightRig rig="twoPt" dir="t">
+              <a:rot lat="0" lon="0" rev="7200000"/>
+            </a:lightRig>
+          </a:scene3d>
+          <a:sp3d>
+            <a:bevelT w="25400" h="19050"/>
+            <a:contourClr>
+              <a:srgbClr val="FFFFFF"/>
+            </a:contourClr>
+          </a:sp3d>
+        </p:spPr>
+      </p:pic>
       <p:sp>
         <p:nvSpPr>
           <p:cNvPr id="7" name="左右矢印 6"/>
@@ -4691,7 +4831,7 @@
         </p:nvSpPr>
         <p:spPr>
           <a:xfrm>
-            <a:off x="4049485" y="4705140"/>
+            <a:off x="4067538" y="5397605"/>
             <a:ext cx="3547068" cy="1256044"/>
           </a:xfrm>
           <a:prstGeom prst="leftRightArrow">
@@ -4718,19 +4858,23 @@
           <a:p>
             <a:pPr algn="ctr"/>
             <a:r>
-              <a:rPr kumimoji="1" lang="ja-JP" altLang="en-US" dirty="0" smtClean="0"/>
+              <a:rPr kumimoji="1" lang="ja-JP" altLang="en-US" dirty="0"/>
               <a:t>移動</a:t>
             </a:r>
-            <a:endParaRPr kumimoji="1" lang="en-US" altLang="ja-JP" dirty="0" smtClean="0"/>
+            <a:endParaRPr kumimoji="1" lang="en-US" altLang="ja-JP" dirty="0"/>
           </a:p>
           <a:p>
             <a:pPr algn="ctr"/>
             <a:r>
-              <a:rPr lang="en-US" altLang="ja-JP" dirty="0" smtClean="0"/>
-              <a:t>WASD </a:t>
-            </a:r>
-            <a:r>
-              <a:rPr lang="ja-JP" altLang="en-US" dirty="0" smtClean="0"/>
+              <a:rPr lang="ja-JP" altLang="en-US" dirty="0"/>
+              <a:t>←→（矢印）</a:t>
+            </a:r>
+            <a:r>
+              <a:rPr lang="en-US" altLang="ja-JP" dirty="0"/>
+              <a:t> </a:t>
+            </a:r>
+            <a:r>
+              <a:rPr lang="ja-JP" altLang="en-US" dirty="0"/>
               <a:t>キー</a:t>
             </a:r>
             <a:endParaRPr kumimoji="1" lang="ja-JP" altLang="en-US" dirty="0"/>
@@ -4745,7 +4889,7 @@
         </p:nvSpPr>
         <p:spPr>
           <a:xfrm>
-            <a:off x="7596553" y="1593946"/>
+            <a:off x="4529762" y="1221722"/>
             <a:ext cx="2622621" cy="2391508"/>
           </a:xfrm>
           <a:prstGeom prst="upArrow">
@@ -4772,84 +4916,18 @@
           <a:p>
             <a:pPr algn="ctr"/>
             <a:r>
-              <a:rPr kumimoji="1" lang="ja-JP" altLang="en-US" dirty="0" smtClean="0"/>
+              <a:rPr kumimoji="1" lang="ja-JP" altLang="en-US" dirty="0"/>
               <a:t>ジャンプ</a:t>
             </a:r>
-            <a:endParaRPr kumimoji="1" lang="en-US" altLang="ja-JP" dirty="0" smtClean="0"/>
+            <a:endParaRPr kumimoji="1" lang="en-US" altLang="ja-JP" dirty="0"/>
           </a:p>
           <a:p>
             <a:pPr algn="ctr"/>
             <a:r>
-              <a:rPr lang="ja-JP" altLang="en-US" dirty="0" smtClean="0"/>
+              <a:rPr lang="ja-JP" altLang="en-US" dirty="0"/>
               <a:t>↑（上矢印）キー</a:t>
             </a:r>
             <a:endParaRPr kumimoji="1" lang="ja-JP" altLang="en-US" dirty="0"/>
-          </a:p>
-        </p:txBody>
-      </p:sp>
-      <p:sp>
-        <p:nvSpPr>
-          <p:cNvPr id="9" name="爆発 1 8"/>
-          <p:cNvSpPr/>
-          <p:nvPr/>
-        </p:nvSpPr>
-        <p:spPr>
-          <a:xfrm>
-            <a:off x="1085222" y="1467059"/>
-            <a:ext cx="3885363" cy="2341266"/>
-          </a:xfrm>
-          <a:prstGeom prst="irregularSeal1">
-            <a:avLst/>
-          </a:prstGeom>
-        </p:spPr>
-        <p:style>
-          <a:lnRef idx="3">
-            <a:schemeClr val="lt1"/>
-          </a:lnRef>
-          <a:fillRef idx="1">
-            <a:schemeClr val="accent2"/>
-          </a:fillRef>
-          <a:effectRef idx="1">
-            <a:schemeClr val="accent2"/>
-          </a:effectRef>
-          <a:fontRef idx="minor">
-            <a:schemeClr val="lt1"/>
-          </a:fontRef>
-        </p:style>
-        <p:txBody>
-          <a:bodyPr rtlCol="0" anchor="ctr"/>
-          <a:lstStyle/>
-          <a:p>
-            <a:pPr algn="ctr"/>
-            <a:r>
-              <a:rPr kumimoji="1" lang="ja-JP" altLang="en-US" dirty="0" smtClean="0"/>
-              <a:t>踏みつけ</a:t>
-            </a:r>
-            <a:endParaRPr kumimoji="1" lang="en-US" altLang="ja-JP" dirty="0" smtClean="0"/>
-          </a:p>
-          <a:p>
-            <a:pPr algn="ctr"/>
-            <a:r>
-              <a:rPr lang="ja-JP" altLang="en-US" dirty="0" smtClean="0"/>
-              <a:t>↓</a:t>
-            </a:r>
-            <a:r>
-              <a:rPr lang="en-US" altLang="ja-JP" dirty="0" smtClean="0"/>
-              <a:t>(</a:t>
-            </a:r>
-            <a:r>
-              <a:rPr lang="ja-JP" altLang="en-US" dirty="0" smtClean="0"/>
-              <a:t>下矢印</a:t>
-            </a:r>
-            <a:r>
-              <a:rPr lang="en-US" altLang="ja-JP" dirty="0" smtClean="0"/>
-              <a:t>)</a:t>
-            </a:r>
-            <a:r>
-              <a:rPr lang="ja-JP" altLang="en-US" dirty="0" smtClean="0"/>
-              <a:t>キー</a:t>
-            </a:r>
-            <a:endParaRPr lang="en-US" altLang="ja-JP" dirty="0" smtClean="0"/>
           </a:p>
         </p:txBody>
       </p:sp>
